--- a/15. Arquitetura de Negócio para cada Cenário.pptx
+++ b/15. Arquitetura de Negócio para cada Cenário.pptx
@@ -10,9 +10,8 @@
     <p:sldId id="264" r:id="rId4"/>
     <p:sldId id="260" r:id="rId5"/>
     <p:sldId id="263" r:id="rId6"/>
-    <p:sldId id="265" r:id="rId7"/>
-    <p:sldId id="262" r:id="rId8"/>
-    <p:sldId id="261" r:id="rId9"/>
+    <p:sldId id="262" r:id="rId7"/>
+    <p:sldId id="261" r:id="rId8"/>
   </p:sldIdLst>
   <p:sldSz cx="9144000" cy="6858000" type="screen4x3"/>
   <p:notesSz cx="6858000" cy="9144000"/>
@@ -295,7 +294,7 @@
           <a:p>
             <a:fld id="{D8880886-F7A9-4594-A1C4-3D39DD455C9B}" type="datetimeFigureOut">
               <a:rPr lang="pt-BR" smtClean="0"/>
-              <a:t>20/03/2021</a:t>
+              <a:t>29/04/2021</a:t>
             </a:fld>
             <a:endParaRPr lang="pt-BR"/>
           </a:p>
@@ -465,7 +464,7 @@
           <a:p>
             <a:fld id="{D8880886-F7A9-4594-A1C4-3D39DD455C9B}" type="datetimeFigureOut">
               <a:rPr lang="pt-BR" smtClean="0"/>
-              <a:t>20/03/2021</a:t>
+              <a:t>29/04/2021</a:t>
             </a:fld>
             <a:endParaRPr lang="pt-BR"/>
           </a:p>
@@ -645,7 +644,7 @@
           <a:p>
             <a:fld id="{D8880886-F7A9-4594-A1C4-3D39DD455C9B}" type="datetimeFigureOut">
               <a:rPr lang="pt-BR" smtClean="0"/>
-              <a:t>20/03/2021</a:t>
+              <a:t>29/04/2021</a:t>
             </a:fld>
             <a:endParaRPr lang="pt-BR"/>
           </a:p>
@@ -815,7 +814,7 @@
           <a:p>
             <a:fld id="{D8880886-F7A9-4594-A1C4-3D39DD455C9B}" type="datetimeFigureOut">
               <a:rPr lang="pt-BR" smtClean="0"/>
-              <a:t>20/03/2021</a:t>
+              <a:t>29/04/2021</a:t>
             </a:fld>
             <a:endParaRPr lang="pt-BR"/>
           </a:p>
@@ -1061,7 +1060,7 @@
           <a:p>
             <a:fld id="{D8880886-F7A9-4594-A1C4-3D39DD455C9B}" type="datetimeFigureOut">
               <a:rPr lang="pt-BR" smtClean="0"/>
-              <a:t>20/03/2021</a:t>
+              <a:t>29/04/2021</a:t>
             </a:fld>
             <a:endParaRPr lang="pt-BR"/>
           </a:p>
@@ -1349,7 +1348,7 @@
           <a:p>
             <a:fld id="{D8880886-F7A9-4594-A1C4-3D39DD455C9B}" type="datetimeFigureOut">
               <a:rPr lang="pt-BR" smtClean="0"/>
-              <a:t>20/03/2021</a:t>
+              <a:t>29/04/2021</a:t>
             </a:fld>
             <a:endParaRPr lang="pt-BR"/>
           </a:p>
@@ -1771,7 +1770,7 @@
           <a:p>
             <a:fld id="{D8880886-F7A9-4594-A1C4-3D39DD455C9B}" type="datetimeFigureOut">
               <a:rPr lang="pt-BR" smtClean="0"/>
-              <a:t>20/03/2021</a:t>
+              <a:t>29/04/2021</a:t>
             </a:fld>
             <a:endParaRPr lang="pt-BR"/>
           </a:p>
@@ -1889,7 +1888,7 @@
           <a:p>
             <a:fld id="{D8880886-F7A9-4594-A1C4-3D39DD455C9B}" type="datetimeFigureOut">
               <a:rPr lang="pt-BR" smtClean="0"/>
-              <a:t>20/03/2021</a:t>
+              <a:t>29/04/2021</a:t>
             </a:fld>
             <a:endParaRPr lang="pt-BR"/>
           </a:p>
@@ -1984,7 +1983,7 @@
           <a:p>
             <a:fld id="{D8880886-F7A9-4594-A1C4-3D39DD455C9B}" type="datetimeFigureOut">
               <a:rPr lang="pt-BR" smtClean="0"/>
-              <a:t>20/03/2021</a:t>
+              <a:t>29/04/2021</a:t>
             </a:fld>
             <a:endParaRPr lang="pt-BR"/>
           </a:p>
@@ -2261,7 +2260,7 @@
           <a:p>
             <a:fld id="{D8880886-F7A9-4594-A1C4-3D39DD455C9B}" type="datetimeFigureOut">
               <a:rPr lang="pt-BR" smtClean="0"/>
-              <a:t>20/03/2021</a:t>
+              <a:t>29/04/2021</a:t>
             </a:fld>
             <a:endParaRPr lang="pt-BR"/>
           </a:p>
@@ -2514,7 +2513,7 @@
           <a:p>
             <a:fld id="{D8880886-F7A9-4594-A1C4-3D39DD455C9B}" type="datetimeFigureOut">
               <a:rPr lang="pt-BR" smtClean="0"/>
-              <a:t>20/03/2021</a:t>
+              <a:t>29/04/2021</a:t>
             </a:fld>
             <a:endParaRPr lang="pt-BR"/>
           </a:p>
@@ -2727,7 +2726,7 @@
           <a:p>
             <a:fld id="{D8880886-F7A9-4594-A1C4-3D39DD455C9B}" type="datetimeFigureOut">
               <a:rPr lang="pt-BR" smtClean="0"/>
-              <a:t>20/03/2021</a:t>
+              <a:t>29/04/2021</a:t>
             </a:fld>
             <a:endParaRPr lang="pt-BR"/>
           </a:p>
@@ -3266,7 +3265,7 @@
         <p:spPr>
           <a:xfrm>
             <a:off x="2279849" y="2032272"/>
-            <a:ext cx="3816424" cy="2031325"/>
+            <a:ext cx="3816424" cy="1754326"/>
           </a:xfrm>
           <a:prstGeom prst="rect">
             <a:avLst/>
@@ -3284,11 +3283,7 @@
             </a:pPr>
             <a:r>
               <a:rPr lang="pt-BR" dirty="0" smtClean="0"/>
-              <a:t>Registrar o </a:t>
-            </a:r>
-            <a:r>
-              <a:rPr lang="pt-BR" dirty="0" smtClean="0"/>
-              <a:t>Pedido</a:t>
+              <a:t>Registrar o Pedido</a:t>
             </a:r>
           </a:p>
           <a:p>
@@ -3299,7 +3294,6 @@
               <a:rPr lang="pt-BR" dirty="0" smtClean="0"/>
               <a:t>Realizar o Pagamento</a:t>
             </a:r>
-            <a:endParaRPr lang="pt-BR" dirty="0" smtClean="0"/>
           </a:p>
           <a:p>
             <a:pPr marL="342900" indent="-342900">
@@ -3307,13 +3301,8 @@
             </a:pPr>
             <a:r>
               <a:rPr lang="pt-BR" dirty="0" smtClean="0"/>
-              <a:t>Monitorar o </a:t>
-            </a:r>
-            <a:r>
-              <a:rPr lang="pt-BR" dirty="0" smtClean="0"/>
-              <a:t>Pedido</a:t>
-            </a:r>
-            <a:endParaRPr lang="pt-BR" dirty="0" smtClean="0"/>
+              <a:t>Monitorar o Pedido</a:t>
+            </a:r>
           </a:p>
           <a:p>
             <a:pPr marL="342900" indent="-342900">
@@ -3330,7 +3319,11 @@
             </a:pPr>
             <a:r>
               <a:rPr lang="pt-BR" dirty="0" smtClean="0"/>
-              <a:t>Despachar o Pedido</a:t>
+              <a:t>Receber </a:t>
+            </a:r>
+            <a:r>
+              <a:rPr lang="pt-BR" dirty="0" smtClean="0"/>
+              <a:t>o Pedido</a:t>
             </a:r>
           </a:p>
           <a:p>
@@ -3339,18 +3332,8 @@
             </a:pPr>
             <a:r>
               <a:rPr lang="pt-BR" dirty="0" smtClean="0"/>
-              <a:t>Receber o Pedido</a:t>
-            </a:r>
-          </a:p>
-          <a:p>
-            <a:pPr marL="342900" indent="-342900">
-              <a:buAutoNum type="arabicPeriod"/>
-            </a:pPr>
-            <a:r>
-              <a:rPr lang="pt-BR" dirty="0" smtClean="0"/>
               <a:t>Avaliar o Pedido</a:t>
             </a:r>
-            <a:endParaRPr lang="pt-BR" dirty="0" smtClean="0"/>
           </a:p>
         </p:txBody>
       </p:sp>
@@ -4624,11 +4607,6 @@
               </a:rPr>
               <a:t>Setor de Atendimento</a:t>
             </a:r>
-            <a:endParaRPr lang="pt-BR" dirty="0" smtClean="0">
-              <a:solidFill>
-                <a:schemeClr val="tx1"/>
-              </a:solidFill>
-            </a:endParaRPr>
           </a:p>
           <a:p>
             <a:pPr algn="ctr"/>
@@ -4873,11 +4851,7 @@
           <a:p>
             <a:r>
               <a:rPr lang="pt-BR" dirty="0" smtClean="0"/>
-              <a:t>Cenário: </a:t>
-            </a:r>
-            <a:r>
-              <a:rPr lang="pt-BR" dirty="0" smtClean="0"/>
-              <a:t>Despachar o Pedido</a:t>
+              <a:t>Cenário: Receber o Pedido</a:t>
             </a:r>
             <a:endParaRPr lang="pt-BR" dirty="0"/>
           </a:p>
@@ -4891,7 +4865,7 @@
         </p:nvSpPr>
         <p:spPr>
           <a:xfrm>
-            <a:off x="98401" y="2636912"/>
+            <a:off x="62434" y="2240868"/>
             <a:ext cx="2160240" cy="1152128"/>
           </a:xfrm>
           <a:prstGeom prst="rect">
@@ -4935,8 +4909,8 @@
         </p:nvSpPr>
         <p:spPr>
           <a:xfrm>
-            <a:off x="5041155" y="2211139"/>
-            <a:ext cx="3923928" cy="4320480"/>
+            <a:off x="5148064" y="1810404"/>
+            <a:ext cx="3888432" cy="3778835"/>
           </a:xfrm>
           <a:prstGeom prst="roundRect">
             <a:avLst/>
@@ -4973,7 +4947,7 @@
         </p:nvSpPr>
         <p:spPr>
           <a:xfrm>
-            <a:off x="6372200" y="2132856"/>
+            <a:off x="6210182" y="1810405"/>
             <a:ext cx="1656184" cy="646331"/>
           </a:xfrm>
           <a:prstGeom prst="rect">
@@ -5007,7 +4981,7 @@
         </p:nvSpPr>
         <p:spPr>
           <a:xfrm>
-            <a:off x="5741876" y="3897052"/>
+            <a:off x="5760132" y="2420888"/>
             <a:ext cx="2592288" cy="792088"/>
           </a:xfrm>
           <a:prstGeom prst="cube">
@@ -5046,11 +5020,6 @@
               </a:rPr>
               <a:t>Motoboy</a:t>
             </a:r>
-            <a:endParaRPr lang="pt-BR" dirty="0" smtClean="0">
-              <a:solidFill>
-                <a:schemeClr val="tx1"/>
-              </a:solidFill>
-            </a:endParaRPr>
           </a:p>
           <a:p>
             <a:pPr algn="ctr"/>
@@ -5070,16 +5039,51 @@
           </a:p>
         </p:txBody>
       </p:sp>
-      <p:sp>
-        <p:nvSpPr>
-          <p:cNvPr id="8" name="Retângulo de cantos arredondados 7"/>
+      <p:cxnSp>
+        <p:nvCxnSpPr>
+          <p:cNvPr id="9" name="Conector de seta reta 8"/>
+          <p:cNvCxnSpPr>
+            <a:stCxn id="4" idx="3"/>
+          </p:cNvCxnSpPr>
+          <p:nvPr/>
+        </p:nvCxnSpPr>
+        <p:spPr>
+          <a:xfrm>
+            <a:off x="2222674" y="2816932"/>
+            <a:ext cx="3537458" cy="0"/>
+          </a:xfrm>
+          <a:prstGeom prst="straightConnector1">
+            <a:avLst/>
+          </a:prstGeom>
+          <a:ln>
+            <a:tailEnd type="arrow"/>
+          </a:ln>
+        </p:spPr>
+        <p:style>
+          <a:lnRef idx="1">
+            <a:schemeClr val="accent1"/>
+          </a:lnRef>
+          <a:fillRef idx="0">
+            <a:schemeClr val="accent1"/>
+          </a:fillRef>
+          <a:effectRef idx="0">
+            <a:schemeClr val="accent1"/>
+          </a:effectRef>
+          <a:fontRef idx="minor">
+            <a:schemeClr val="tx1"/>
+          </a:fontRef>
+        </p:style>
+      </p:cxnSp>
+      <p:sp>
+        <p:nvSpPr>
+          <p:cNvPr id="12" name="Retângulo de cantos arredondados 11"/>
           <p:cNvSpPr/>
           <p:nvPr/>
         </p:nvSpPr>
         <p:spPr>
           <a:xfrm>
-            <a:off x="6101841" y="5301208"/>
-            <a:ext cx="2088232" cy="720080"/>
+            <a:off x="6354198" y="4190789"/>
+            <a:ext cx="1368152" cy="936104"/>
           </a:xfrm>
           <a:prstGeom prst="roundRect">
             <a:avLst/>
@@ -5115,14 +5119,14 @@
           <a:p>
             <a:pPr algn="ctr"/>
             <a:r>
-              <a:rPr lang="pt-BR" dirty="0">
+              <a:rPr lang="pt-BR" dirty="0" smtClean="0">
                 <a:solidFill>
                   <a:schemeClr val="bg1">
                     <a:lumMod val="95000"/>
                   </a:schemeClr>
                 </a:solidFill>
               </a:rPr>
-              <a:t>Obter informações do envio.</a:t>
+              <a:t>Garantir entrega.</a:t>
             </a:r>
             <a:endParaRPr lang="pt-BR" dirty="0">
               <a:solidFill>
@@ -5136,149 +5140,14 @@
       </p:sp>
       <p:cxnSp>
         <p:nvCxnSpPr>
-          <p:cNvPr id="10" name="Conector reto 9"/>
-          <p:cNvCxnSpPr>
-            <a:stCxn id="4" idx="3"/>
-          </p:cNvCxnSpPr>
-          <p:nvPr/>
-        </p:nvCxnSpPr>
-        <p:spPr>
-          <a:xfrm>
-            <a:off x="2258641" y="3212976"/>
-            <a:ext cx="3609503" cy="0"/>
-          </a:xfrm>
-          <a:prstGeom prst="line">
-            <a:avLst/>
-          </a:prstGeom>
-        </p:spPr>
-        <p:style>
-          <a:lnRef idx="1">
-            <a:schemeClr val="accent1"/>
-          </a:lnRef>
-          <a:fillRef idx="0">
-            <a:schemeClr val="accent1"/>
-          </a:fillRef>
-          <a:effectRef idx="0">
-            <a:schemeClr val="accent1"/>
-          </a:effectRef>
-          <a:fontRef idx="minor">
-            <a:schemeClr val="tx1"/>
-          </a:fontRef>
-        </p:style>
-      </p:cxnSp>
-      <p:cxnSp>
-        <p:nvCxnSpPr>
-          <p:cNvPr id="15" name="Conector reto 14"/>
+          <p:cNvPr id="13" name="Conector reto 12"/>
           <p:cNvCxnSpPr/>
           <p:nvPr/>
         </p:nvCxnSpPr>
         <p:spPr>
-          <a:xfrm flipH="1">
-            <a:off x="7133912" y="4689140"/>
-            <a:ext cx="1" cy="648072"/>
-          </a:xfrm>
-          <a:prstGeom prst="line">
-            <a:avLst/>
-          </a:prstGeom>
-        </p:spPr>
-        <p:style>
-          <a:lnRef idx="1">
-            <a:schemeClr val="accent1"/>
-          </a:lnRef>
-          <a:fillRef idx="0">
-            <a:schemeClr val="accent1"/>
-          </a:fillRef>
-          <a:effectRef idx="0">
-            <a:schemeClr val="accent1"/>
-          </a:effectRef>
-          <a:fontRef idx="minor">
-            <a:schemeClr val="tx1"/>
-          </a:fontRef>
-        </p:style>
-      </p:cxnSp>
-      <p:sp>
-        <p:nvSpPr>
-          <p:cNvPr id="11" name="Cubo 10"/>
-          <p:cNvSpPr/>
-          <p:nvPr/>
-        </p:nvSpPr>
-        <p:spPr>
-          <a:xfrm>
-            <a:off x="5868144" y="2852936"/>
-            <a:ext cx="2592288" cy="792088"/>
-          </a:xfrm>
-          <a:prstGeom prst="cube">
-            <a:avLst/>
-          </a:prstGeom>
-          <a:solidFill>
-            <a:srgbClr val="FFC000"/>
-          </a:solidFill>
-        </p:spPr>
-        <p:style>
-          <a:lnRef idx="2">
-            <a:schemeClr val="accent1">
-              <a:shade val="50000"/>
-            </a:schemeClr>
-          </a:lnRef>
-          <a:fillRef idx="1">
-            <a:schemeClr val="accent1"/>
-          </a:fillRef>
-          <a:effectRef idx="0">
-            <a:schemeClr val="accent1"/>
-          </a:effectRef>
-          <a:fontRef idx="minor">
-            <a:schemeClr val="lt1"/>
-          </a:fontRef>
-        </p:style>
-        <p:txBody>
-          <a:bodyPr rtlCol="0" anchor="ctr"/>
-          <a:lstStyle/>
-          <a:p>
-            <a:pPr algn="ctr"/>
-            <a:r>
-              <a:rPr lang="pt-BR" dirty="0" smtClean="0">
-                <a:solidFill>
-                  <a:schemeClr val="tx1"/>
-                </a:solidFill>
-              </a:rPr>
-              <a:t>Setor de Atendimento</a:t>
-            </a:r>
-            <a:endParaRPr lang="pt-BR" dirty="0" smtClean="0">
-              <a:solidFill>
-                <a:schemeClr val="tx1"/>
-              </a:solidFill>
-            </a:endParaRPr>
-          </a:p>
-          <a:p>
-            <a:pPr algn="ctr"/>
-            <a:r>
-              <a:rPr lang="pt-BR" dirty="0" smtClean="0">
-                <a:solidFill>
-                  <a:schemeClr val="tx1"/>
-                </a:solidFill>
-              </a:rPr>
-              <a:t>(Nó Operacional)</a:t>
-            </a:r>
-            <a:endParaRPr lang="pt-BR" dirty="0">
-              <a:solidFill>
-                <a:schemeClr val="tx1"/>
-              </a:solidFill>
-            </a:endParaRPr>
-          </a:p>
-        </p:txBody>
-      </p:sp>
-      <p:cxnSp>
-        <p:nvCxnSpPr>
-          <p:cNvPr id="9" name="Conector reto 8"/>
-          <p:cNvCxnSpPr>
-            <a:stCxn id="11" idx="3"/>
-          </p:cNvCxnSpPr>
-          <p:nvPr/>
-        </p:nvCxnSpPr>
-        <p:spPr>
-          <a:xfrm flipH="1">
-            <a:off x="7038020" y="3645024"/>
-            <a:ext cx="27257" cy="252028"/>
+          <a:xfrm flipV="1">
+            <a:off x="7092280" y="3210914"/>
+            <a:ext cx="0" cy="977813"/>
           </a:xfrm>
           <a:prstGeom prst="line">
             <a:avLst/>
@@ -5302,7 +5171,7 @@
     </p:spTree>
     <p:extLst>
       <p:ext uri="{BB962C8B-B14F-4D97-AF65-F5344CB8AC3E}">
-        <p14:creationId xmlns:p14="http://schemas.microsoft.com/office/powerpoint/2010/main" val="1782718292"/>
+        <p14:creationId xmlns:p14="http://schemas.microsoft.com/office/powerpoint/2010/main" val="625808501"/>
       </p:ext>
     </p:extLst>
   </p:cSld>
@@ -5351,11 +5220,7 @@
           <a:p>
             <a:r>
               <a:rPr lang="pt-BR" dirty="0" smtClean="0"/>
-              <a:t>Cenário: </a:t>
-            </a:r>
-            <a:r>
-              <a:rPr lang="pt-BR" dirty="0" smtClean="0"/>
-              <a:t>Receber o Pedido</a:t>
+              <a:t>Cenário: Avaliar Serviço</a:t>
             </a:r>
             <a:endParaRPr lang="pt-BR" dirty="0"/>
           </a:p>
@@ -5369,7 +5234,7 @@
         </p:nvSpPr>
         <p:spPr>
           <a:xfrm>
-            <a:off x="62434" y="2240868"/>
+            <a:off x="98401" y="2636912"/>
             <a:ext cx="2160240" cy="1152128"/>
           </a:xfrm>
           <a:prstGeom prst="rect">
@@ -5413,8 +5278,8 @@
         </p:nvSpPr>
         <p:spPr>
           <a:xfrm>
-            <a:off x="5148064" y="1810404"/>
-            <a:ext cx="3888432" cy="3778835"/>
+            <a:off x="5076056" y="2132856"/>
+            <a:ext cx="3923928" cy="3600400"/>
           </a:xfrm>
           <a:prstGeom prst="roundRect">
             <a:avLst/>
@@ -5451,7 +5316,7 @@
         </p:nvSpPr>
         <p:spPr>
           <a:xfrm>
-            <a:off x="6210182" y="1810405"/>
+            <a:off x="6372200" y="2132856"/>
             <a:ext cx="1656184" cy="646331"/>
           </a:xfrm>
           <a:prstGeom prst="rect">
@@ -5485,7 +5350,7 @@
         </p:nvSpPr>
         <p:spPr>
           <a:xfrm>
-            <a:off x="5760132" y="2420888"/>
+            <a:off x="5868144" y="2852936"/>
             <a:ext cx="2592288" cy="792088"/>
           </a:xfrm>
           <a:prstGeom prst="cube">
@@ -5522,7 +5387,7 @@
                   <a:schemeClr val="tx1"/>
                 </a:solidFill>
               </a:rPr>
-              <a:t>Motoboy</a:t>
+              <a:t>Setor de Atendimento</a:t>
             </a:r>
           </a:p>
           <a:p>
@@ -5543,51 +5408,16 @@
           </a:p>
         </p:txBody>
       </p:sp>
-      <p:cxnSp>
-        <p:nvCxnSpPr>
-          <p:cNvPr id="9" name="Conector de seta reta 8"/>
-          <p:cNvCxnSpPr>
-            <a:stCxn id="4" idx="3"/>
-          </p:cNvCxnSpPr>
-          <p:nvPr/>
-        </p:nvCxnSpPr>
-        <p:spPr>
-          <a:xfrm>
-            <a:off x="2222674" y="2816932"/>
-            <a:ext cx="3537458" cy="0"/>
-          </a:xfrm>
-          <a:prstGeom prst="straightConnector1">
-            <a:avLst/>
-          </a:prstGeom>
-          <a:ln>
-            <a:tailEnd type="arrow"/>
-          </a:ln>
-        </p:spPr>
-        <p:style>
-          <a:lnRef idx="1">
-            <a:schemeClr val="accent1"/>
-          </a:lnRef>
-          <a:fillRef idx="0">
-            <a:schemeClr val="accent1"/>
-          </a:fillRef>
-          <a:effectRef idx="0">
-            <a:schemeClr val="accent1"/>
-          </a:effectRef>
-          <a:fontRef idx="minor">
-            <a:schemeClr val="tx1"/>
-          </a:fontRef>
-        </p:style>
-      </p:cxnSp>
-      <p:sp>
-        <p:nvSpPr>
-          <p:cNvPr id="12" name="Retângulo de cantos arredondados 11"/>
+      <p:sp>
+        <p:nvSpPr>
+          <p:cNvPr id="8" name="Retângulo de cantos arredondados 7"/>
           <p:cNvSpPr/>
           <p:nvPr/>
         </p:nvSpPr>
         <p:spPr>
           <a:xfrm>
-            <a:off x="6354198" y="4190789"/>
-            <a:ext cx="1368152" cy="936104"/>
+            <a:off x="6120172" y="4293096"/>
+            <a:ext cx="2088232" cy="720080"/>
           </a:xfrm>
           <a:prstGeom prst="roundRect">
             <a:avLst/>
@@ -5630,351 +5460,7 @@
                   </a:schemeClr>
                 </a:solidFill>
               </a:rPr>
-              <a:t>Garantir entrega.</a:t>
-            </a:r>
-            <a:endParaRPr lang="pt-BR" dirty="0">
-              <a:solidFill>
-                <a:schemeClr val="bg1">
-                  <a:lumMod val="95000"/>
-                </a:schemeClr>
-              </a:solidFill>
-            </a:endParaRPr>
-          </a:p>
-        </p:txBody>
-      </p:sp>
-      <p:cxnSp>
-        <p:nvCxnSpPr>
-          <p:cNvPr id="13" name="Conector reto 12"/>
-          <p:cNvCxnSpPr/>
-          <p:nvPr/>
-        </p:nvCxnSpPr>
-        <p:spPr>
-          <a:xfrm flipV="1">
-            <a:off x="7092280" y="3210914"/>
-            <a:ext cx="0" cy="977813"/>
-          </a:xfrm>
-          <a:prstGeom prst="line">
-            <a:avLst/>
-          </a:prstGeom>
-        </p:spPr>
-        <p:style>
-          <a:lnRef idx="1">
-            <a:schemeClr val="accent1"/>
-          </a:lnRef>
-          <a:fillRef idx="0">
-            <a:schemeClr val="accent1"/>
-          </a:fillRef>
-          <a:effectRef idx="0">
-            <a:schemeClr val="accent1"/>
-          </a:effectRef>
-          <a:fontRef idx="minor">
-            <a:schemeClr val="tx1"/>
-          </a:fontRef>
-        </p:style>
-      </p:cxnSp>
-    </p:spTree>
-    <p:extLst>
-      <p:ext uri="{BB962C8B-B14F-4D97-AF65-F5344CB8AC3E}">
-        <p14:creationId xmlns:p14="http://schemas.microsoft.com/office/powerpoint/2010/main" val="625808501"/>
-      </p:ext>
-    </p:extLst>
-  </p:cSld>
-  <p:clrMapOvr>
-    <a:masterClrMapping/>
-  </p:clrMapOvr>
-</p:sld>
-</file>
-
-<file path=ppt/slides/slide8.xml><?xml version="1.0" encoding="utf-8"?>
-<p:sld xmlns:a="http://schemas.openxmlformats.org/drawingml/2006/main" xmlns:r="http://schemas.openxmlformats.org/officeDocument/2006/relationships" xmlns:p="http://schemas.openxmlformats.org/presentationml/2006/main">
-  <p:cSld>
-    <p:spTree>
-      <p:nvGrpSpPr>
-        <p:cNvPr id="1" name=""/>
-        <p:cNvGrpSpPr/>
-        <p:nvPr/>
-      </p:nvGrpSpPr>
-      <p:grpSpPr>
-        <a:xfrm>
-          <a:off x="0" y="0"/>
-          <a:ext cx="0" cy="0"/>
-          <a:chOff x="0" y="0"/>
-          <a:chExt cx="0" cy="0"/>
-        </a:xfrm>
-      </p:grpSpPr>
-      <p:sp>
-        <p:nvSpPr>
-          <p:cNvPr id="2" name="Título 1"/>
-          <p:cNvSpPr>
-            <a:spLocks noGrp="1"/>
-          </p:cNvSpPr>
-          <p:nvPr>
-            <p:ph type="title"/>
-          </p:nvPr>
-        </p:nvSpPr>
-        <p:spPr>
-          <a:xfrm>
-            <a:off x="179512" y="260648"/>
-            <a:ext cx="8229600" cy="1143000"/>
-          </a:xfrm>
-        </p:spPr>
-        <p:txBody>
-          <a:bodyPr/>
-          <a:lstStyle/>
-          <a:p>
-            <a:r>
-              <a:rPr lang="pt-BR" dirty="0" smtClean="0"/>
-              <a:t>Cenário: Avaliar Serviço</a:t>
-            </a:r>
-            <a:endParaRPr lang="pt-BR" dirty="0"/>
-          </a:p>
-        </p:txBody>
-      </p:sp>
-      <p:sp>
-        <p:nvSpPr>
-          <p:cNvPr id="4" name="Retângulo 3"/>
-          <p:cNvSpPr/>
-          <p:nvPr/>
-        </p:nvSpPr>
-        <p:spPr>
-          <a:xfrm>
-            <a:off x="98401" y="2636912"/>
-            <a:ext cx="2160240" cy="1152128"/>
-          </a:xfrm>
-          <a:prstGeom prst="rect">
-            <a:avLst/>
-          </a:prstGeom>
-        </p:spPr>
-        <p:style>
-          <a:lnRef idx="2">
-            <a:schemeClr val="accent1">
-              <a:shade val="50000"/>
-            </a:schemeClr>
-          </a:lnRef>
-          <a:fillRef idx="1">
-            <a:schemeClr val="accent1"/>
-          </a:fillRef>
-          <a:effectRef idx="0">
-            <a:schemeClr val="accent1"/>
-          </a:effectRef>
-          <a:fontRef idx="minor">
-            <a:schemeClr val="lt1"/>
-          </a:fontRef>
-        </p:style>
-        <p:txBody>
-          <a:bodyPr rtlCol="0" anchor="ctr"/>
-          <a:lstStyle/>
-          <a:p>
-            <a:pPr algn="ctr"/>
-            <a:r>
-              <a:rPr lang="pt-BR" dirty="0" smtClean="0"/>
-              <a:t>Cliente</a:t>
-            </a:r>
-            <a:endParaRPr lang="pt-BR" dirty="0"/>
-          </a:p>
-        </p:txBody>
-      </p:sp>
-      <p:sp>
-        <p:nvSpPr>
-          <p:cNvPr id="5" name="Retângulo de cantos arredondados 4"/>
-          <p:cNvSpPr/>
-          <p:nvPr/>
-        </p:nvSpPr>
-        <p:spPr>
-          <a:xfrm>
-            <a:off x="5076056" y="2132856"/>
-            <a:ext cx="3923928" cy="3600400"/>
-          </a:xfrm>
-          <a:prstGeom prst="roundRect">
-            <a:avLst/>
-          </a:prstGeom>
-          <a:ln/>
-        </p:spPr>
-        <p:style>
-          <a:lnRef idx="2">
-            <a:schemeClr val="accent1"/>
-          </a:lnRef>
-          <a:fillRef idx="1">
-            <a:schemeClr val="lt1"/>
-          </a:fillRef>
-          <a:effectRef idx="0">
-            <a:schemeClr val="accent1"/>
-          </a:effectRef>
-          <a:fontRef idx="minor">
-            <a:schemeClr val="dk1"/>
-          </a:fontRef>
-        </p:style>
-        <p:txBody>
-          <a:bodyPr rtlCol="0" anchor="ctr"/>
-          <a:lstStyle/>
-          <a:p>
-            <a:endParaRPr lang="pt-BR" dirty="0"/>
-          </a:p>
-        </p:txBody>
-      </p:sp>
-      <p:sp>
-        <p:nvSpPr>
-          <p:cNvPr id="6" name="CaixaDeTexto 5"/>
-          <p:cNvSpPr txBox="1"/>
-          <p:nvPr/>
-        </p:nvSpPr>
-        <p:spPr>
-          <a:xfrm>
-            <a:off x="6372200" y="2132856"/>
-            <a:ext cx="1656184" cy="646331"/>
-          </a:xfrm>
-          <a:prstGeom prst="rect">
-            <a:avLst/>
-          </a:prstGeom>
-          <a:noFill/>
-        </p:spPr>
-        <p:txBody>
-          <a:bodyPr wrap="square" rtlCol="0">
-            <a:spAutoFit/>
-          </a:bodyPr>
-          <a:lstStyle/>
-          <a:p>
-            <a:r>
-              <a:rPr lang="pt-BR" dirty="0" err="1" smtClean="0"/>
-              <a:t>Hamburgueria</a:t>
-            </a:r>
-            <a:r>
-              <a:rPr lang="pt-BR" dirty="0" smtClean="0"/>
-              <a:t> - Delivery</a:t>
-            </a:r>
-            <a:endParaRPr lang="pt-BR" dirty="0"/>
-          </a:p>
-        </p:txBody>
-      </p:sp>
-      <p:sp>
-        <p:nvSpPr>
-          <p:cNvPr id="7" name="Cubo 6"/>
-          <p:cNvSpPr/>
-          <p:nvPr/>
-        </p:nvSpPr>
-        <p:spPr>
-          <a:xfrm>
-            <a:off x="5868144" y="2852936"/>
-            <a:ext cx="2592288" cy="792088"/>
-          </a:xfrm>
-          <a:prstGeom prst="cube">
-            <a:avLst/>
-          </a:prstGeom>
-          <a:solidFill>
-            <a:srgbClr val="FFC000"/>
-          </a:solidFill>
-        </p:spPr>
-        <p:style>
-          <a:lnRef idx="2">
-            <a:schemeClr val="accent1">
-              <a:shade val="50000"/>
-            </a:schemeClr>
-          </a:lnRef>
-          <a:fillRef idx="1">
-            <a:schemeClr val="accent1"/>
-          </a:fillRef>
-          <a:effectRef idx="0">
-            <a:schemeClr val="accent1"/>
-          </a:effectRef>
-          <a:fontRef idx="minor">
-            <a:schemeClr val="lt1"/>
-          </a:fontRef>
-        </p:style>
-        <p:txBody>
-          <a:bodyPr rtlCol="0" anchor="ctr"/>
-          <a:lstStyle/>
-          <a:p>
-            <a:pPr algn="ctr"/>
-            <a:r>
-              <a:rPr lang="pt-BR" dirty="0" smtClean="0">
-                <a:solidFill>
-                  <a:schemeClr val="tx1"/>
-                </a:solidFill>
-              </a:rPr>
-              <a:t>Setor de Atendimento</a:t>
-            </a:r>
-          </a:p>
-          <a:p>
-            <a:pPr algn="ctr"/>
-            <a:r>
-              <a:rPr lang="pt-BR" dirty="0" smtClean="0">
-                <a:solidFill>
-                  <a:schemeClr val="tx1"/>
-                </a:solidFill>
-              </a:rPr>
-              <a:t>(Nó Operacional)</a:t>
-            </a:r>
-            <a:endParaRPr lang="pt-BR" dirty="0">
-              <a:solidFill>
-                <a:schemeClr val="tx1"/>
-              </a:solidFill>
-            </a:endParaRPr>
-          </a:p>
-        </p:txBody>
-      </p:sp>
-      <p:sp>
-        <p:nvSpPr>
-          <p:cNvPr id="8" name="Retângulo de cantos arredondados 7"/>
-          <p:cNvSpPr/>
-          <p:nvPr/>
-        </p:nvSpPr>
-        <p:spPr>
-          <a:xfrm>
-            <a:off x="6120172" y="4293096"/>
-            <a:ext cx="2088232" cy="720080"/>
-          </a:xfrm>
-          <a:prstGeom prst="roundRect">
-            <a:avLst/>
-          </a:prstGeom>
-          <a:solidFill>
-            <a:srgbClr val="00B050"/>
-          </a:solidFill>
-          <a:ln>
-            <a:solidFill>
-              <a:schemeClr val="bg1"/>
-            </a:solidFill>
-          </a:ln>
-        </p:spPr>
-        <p:style>
-          <a:lnRef idx="2">
-            <a:schemeClr val="accent1">
-              <a:shade val="50000"/>
-            </a:schemeClr>
-          </a:lnRef>
-          <a:fillRef idx="1">
-            <a:schemeClr val="accent1"/>
-          </a:fillRef>
-          <a:effectRef idx="0">
-            <a:schemeClr val="accent1"/>
-          </a:effectRef>
-          <a:fontRef idx="minor">
-            <a:schemeClr val="lt1"/>
-          </a:fontRef>
-        </p:style>
-        <p:txBody>
-          <a:bodyPr rtlCol="0" anchor="ctr"/>
-          <a:lstStyle/>
-          <a:p>
-            <a:pPr algn="ctr"/>
-            <a:r>
-              <a:rPr lang="pt-BR" dirty="0" smtClean="0">
-                <a:solidFill>
-                  <a:schemeClr val="bg1">
-                    <a:lumMod val="95000"/>
-                  </a:schemeClr>
-                </a:solidFill>
-              </a:rPr>
-              <a:t>Receber </a:t>
-            </a:r>
-            <a:r>
-              <a:rPr lang="pt-BR" dirty="0" smtClean="0">
-                <a:solidFill>
-                  <a:schemeClr val="bg1">
-                    <a:lumMod val="95000"/>
-                  </a:schemeClr>
-                </a:solidFill>
-              </a:rPr>
-              <a:t>feedback sobre o serviço.</a:t>
+              <a:t>Receber feedback sobre o serviço.</a:t>
             </a:r>
             <a:endParaRPr lang="pt-BR" dirty="0">
               <a:solidFill>

--- a/15. Arquitetura de Negócio para cada Cenário.pptx
+++ b/15. Arquitetura de Negócio para cada Cenário.pptx
@@ -110,6 +110,22 @@
       </a:defRPr>
     </a:lvl9pPr>
   </p:defaultTextStyle>
+  <p:extLst>
+    <p:ext uri="{EFAFB233-063F-42B5-8137-9DF3F51BA10A}">
+      <p15:sldGuideLst xmlns:p15="http://schemas.microsoft.com/office/powerpoint/2012/main">
+        <p15:guide id="1" orient="horz" pos="2160">
+          <p15:clr>
+            <a:srgbClr val="A4A3A4"/>
+          </p15:clr>
+        </p15:guide>
+        <p15:guide id="2" pos="2880">
+          <p15:clr>
+            <a:srgbClr val="A4A3A4"/>
+          </p15:clr>
+        </p15:guide>
+      </p15:sldGuideLst>
+    </p:ext>
+  </p:extLst>
 </p:presentation>
 </file>
 
@@ -151,10 +167,9 @@
           <a:lstStyle/>
           <a:p>
             <a:r>
-              <a:rPr lang="pt-BR" smtClean="0"/>
+              <a:rPr lang="pt-BR"/>
               <a:t>Clique para editar o título mestre</a:t>
             </a:r>
-            <a:endParaRPr lang="pt-BR"/>
           </a:p>
         </p:txBody>
       </p:sp>
@@ -270,10 +285,9 @@
           </a:lstStyle>
           <a:p>
             <a:r>
-              <a:rPr lang="pt-BR" smtClean="0"/>
+              <a:rPr lang="pt-BR"/>
               <a:t>Clique para editar o estilo do subtítulo mestre</a:t>
             </a:r>
-            <a:endParaRPr lang="pt-BR"/>
           </a:p>
         </p:txBody>
       </p:sp>
@@ -294,7 +308,7 @@
           <a:p>
             <a:fld id="{D8880886-F7A9-4594-A1C4-3D39DD455C9B}" type="datetimeFigureOut">
               <a:rPr lang="pt-BR" smtClean="0"/>
-              <a:t>29/04/2021</a:t>
+              <a:t>06/06/2021</a:t>
             </a:fld>
             <a:endParaRPr lang="pt-BR"/>
           </a:p>
@@ -388,10 +402,9 @@
           <a:lstStyle/>
           <a:p>
             <a:r>
-              <a:rPr lang="pt-BR" smtClean="0"/>
+              <a:rPr lang="pt-BR"/>
               <a:t>Clique para editar o título mestre</a:t>
             </a:r>
-            <a:endParaRPr lang="pt-BR"/>
           </a:p>
         </p:txBody>
       </p:sp>
@@ -412,38 +425,37 @@
           <a:p>
             <a:pPr lvl="0"/>
             <a:r>
-              <a:rPr lang="pt-BR" smtClean="0"/>
+              <a:rPr lang="pt-BR"/>
               <a:t>Clique para editar o texto mestre</a:t>
             </a:r>
           </a:p>
           <a:p>
             <a:pPr lvl="1"/>
             <a:r>
-              <a:rPr lang="pt-BR" smtClean="0"/>
+              <a:rPr lang="pt-BR"/>
               <a:t>Segundo nível</a:t>
             </a:r>
           </a:p>
           <a:p>
             <a:pPr lvl="2"/>
             <a:r>
-              <a:rPr lang="pt-BR" smtClean="0"/>
+              <a:rPr lang="pt-BR"/>
               <a:t>Terceiro nível</a:t>
             </a:r>
           </a:p>
           <a:p>
             <a:pPr lvl="3"/>
             <a:r>
-              <a:rPr lang="pt-BR" smtClean="0"/>
+              <a:rPr lang="pt-BR"/>
               <a:t>Quarto nível</a:t>
             </a:r>
           </a:p>
           <a:p>
             <a:pPr lvl="4"/>
             <a:r>
-              <a:rPr lang="pt-BR" smtClean="0"/>
+              <a:rPr lang="pt-BR"/>
               <a:t>Quinto nível</a:t>
             </a:r>
-            <a:endParaRPr lang="pt-BR"/>
           </a:p>
         </p:txBody>
       </p:sp>
@@ -464,7 +476,7 @@
           <a:p>
             <a:fld id="{D8880886-F7A9-4594-A1C4-3D39DD455C9B}" type="datetimeFigureOut">
               <a:rPr lang="pt-BR" smtClean="0"/>
-              <a:t>29/04/2021</a:t>
+              <a:t>06/06/2021</a:t>
             </a:fld>
             <a:endParaRPr lang="pt-BR"/>
           </a:p>
@@ -563,10 +575,9 @@
           <a:lstStyle/>
           <a:p>
             <a:r>
-              <a:rPr lang="pt-BR" smtClean="0"/>
+              <a:rPr lang="pt-BR"/>
               <a:t>Clique para editar o título mestre</a:t>
             </a:r>
-            <a:endParaRPr lang="pt-BR"/>
           </a:p>
         </p:txBody>
       </p:sp>
@@ -592,38 +603,37 @@
           <a:p>
             <a:pPr lvl="0"/>
             <a:r>
-              <a:rPr lang="pt-BR" smtClean="0"/>
+              <a:rPr lang="pt-BR"/>
               <a:t>Clique para editar o texto mestre</a:t>
             </a:r>
           </a:p>
           <a:p>
             <a:pPr lvl="1"/>
             <a:r>
-              <a:rPr lang="pt-BR" smtClean="0"/>
+              <a:rPr lang="pt-BR"/>
               <a:t>Segundo nível</a:t>
             </a:r>
           </a:p>
           <a:p>
             <a:pPr lvl="2"/>
             <a:r>
-              <a:rPr lang="pt-BR" smtClean="0"/>
+              <a:rPr lang="pt-BR"/>
               <a:t>Terceiro nível</a:t>
             </a:r>
           </a:p>
           <a:p>
             <a:pPr lvl="3"/>
             <a:r>
-              <a:rPr lang="pt-BR" smtClean="0"/>
+              <a:rPr lang="pt-BR"/>
               <a:t>Quarto nível</a:t>
             </a:r>
           </a:p>
           <a:p>
             <a:pPr lvl="4"/>
             <a:r>
-              <a:rPr lang="pt-BR" smtClean="0"/>
+              <a:rPr lang="pt-BR"/>
               <a:t>Quinto nível</a:t>
             </a:r>
-            <a:endParaRPr lang="pt-BR"/>
           </a:p>
         </p:txBody>
       </p:sp>
@@ -644,7 +654,7 @@
           <a:p>
             <a:fld id="{D8880886-F7A9-4594-A1C4-3D39DD455C9B}" type="datetimeFigureOut">
               <a:rPr lang="pt-BR" smtClean="0"/>
-              <a:t>29/04/2021</a:t>
+              <a:t>06/06/2021</a:t>
             </a:fld>
             <a:endParaRPr lang="pt-BR"/>
           </a:p>
@@ -738,10 +748,9 @@
           <a:lstStyle/>
           <a:p>
             <a:r>
-              <a:rPr lang="pt-BR" smtClean="0"/>
+              <a:rPr lang="pt-BR"/>
               <a:t>Clique para editar o título mestre</a:t>
             </a:r>
-            <a:endParaRPr lang="pt-BR"/>
           </a:p>
         </p:txBody>
       </p:sp>
@@ -762,38 +771,37 @@
           <a:p>
             <a:pPr lvl="0"/>
             <a:r>
-              <a:rPr lang="pt-BR" smtClean="0"/>
+              <a:rPr lang="pt-BR"/>
               <a:t>Clique para editar o texto mestre</a:t>
             </a:r>
           </a:p>
           <a:p>
             <a:pPr lvl="1"/>
             <a:r>
-              <a:rPr lang="pt-BR" smtClean="0"/>
+              <a:rPr lang="pt-BR"/>
               <a:t>Segundo nível</a:t>
             </a:r>
           </a:p>
           <a:p>
             <a:pPr lvl="2"/>
             <a:r>
-              <a:rPr lang="pt-BR" smtClean="0"/>
+              <a:rPr lang="pt-BR"/>
               <a:t>Terceiro nível</a:t>
             </a:r>
           </a:p>
           <a:p>
             <a:pPr lvl="3"/>
             <a:r>
-              <a:rPr lang="pt-BR" smtClean="0"/>
+              <a:rPr lang="pt-BR"/>
               <a:t>Quarto nível</a:t>
             </a:r>
           </a:p>
           <a:p>
             <a:pPr lvl="4"/>
             <a:r>
-              <a:rPr lang="pt-BR" smtClean="0"/>
+              <a:rPr lang="pt-BR"/>
               <a:t>Quinto nível</a:t>
             </a:r>
-            <a:endParaRPr lang="pt-BR"/>
           </a:p>
         </p:txBody>
       </p:sp>
@@ -814,7 +822,7 @@
           <a:p>
             <a:fld id="{D8880886-F7A9-4594-A1C4-3D39DD455C9B}" type="datetimeFigureOut">
               <a:rPr lang="pt-BR" smtClean="0"/>
-              <a:t>29/04/2021</a:t>
+              <a:t>06/06/2021</a:t>
             </a:fld>
             <a:endParaRPr lang="pt-BR"/>
           </a:p>
@@ -917,10 +925,9 @@
           </a:lstStyle>
           <a:p>
             <a:r>
-              <a:rPr lang="pt-BR" smtClean="0"/>
+              <a:rPr lang="pt-BR"/>
               <a:t>Clique para editar o título mestre</a:t>
             </a:r>
-            <a:endParaRPr lang="pt-BR"/>
           </a:p>
         </p:txBody>
       </p:sp>
@@ -1037,7 +1044,7 @@
           <a:p>
             <a:pPr lvl="0"/>
             <a:r>
-              <a:rPr lang="pt-BR" smtClean="0"/>
+              <a:rPr lang="pt-BR"/>
               <a:t>Clique para editar o texto mestre</a:t>
             </a:r>
           </a:p>
@@ -1060,7 +1067,7 @@
           <a:p>
             <a:fld id="{D8880886-F7A9-4594-A1C4-3D39DD455C9B}" type="datetimeFigureOut">
               <a:rPr lang="pt-BR" smtClean="0"/>
-              <a:t>29/04/2021</a:t>
+              <a:t>06/06/2021</a:t>
             </a:fld>
             <a:endParaRPr lang="pt-BR"/>
           </a:p>
@@ -1154,10 +1161,9 @@
           <a:lstStyle/>
           <a:p>
             <a:r>
-              <a:rPr lang="pt-BR" smtClean="0"/>
+              <a:rPr lang="pt-BR"/>
               <a:t>Clique para editar o título mestre</a:t>
             </a:r>
-            <a:endParaRPr lang="pt-BR"/>
           </a:p>
         </p:txBody>
       </p:sp>
@@ -1211,38 +1217,37 @@
           <a:p>
             <a:pPr lvl="0"/>
             <a:r>
-              <a:rPr lang="pt-BR" smtClean="0"/>
+              <a:rPr lang="pt-BR"/>
               <a:t>Clique para editar o texto mestre</a:t>
             </a:r>
           </a:p>
           <a:p>
             <a:pPr lvl="1"/>
             <a:r>
-              <a:rPr lang="pt-BR" smtClean="0"/>
+              <a:rPr lang="pt-BR"/>
               <a:t>Segundo nível</a:t>
             </a:r>
           </a:p>
           <a:p>
             <a:pPr lvl="2"/>
             <a:r>
-              <a:rPr lang="pt-BR" smtClean="0"/>
+              <a:rPr lang="pt-BR"/>
               <a:t>Terceiro nível</a:t>
             </a:r>
           </a:p>
           <a:p>
             <a:pPr lvl="3"/>
             <a:r>
-              <a:rPr lang="pt-BR" smtClean="0"/>
+              <a:rPr lang="pt-BR"/>
               <a:t>Quarto nível</a:t>
             </a:r>
           </a:p>
           <a:p>
             <a:pPr lvl="4"/>
             <a:r>
-              <a:rPr lang="pt-BR" smtClean="0"/>
+              <a:rPr lang="pt-BR"/>
               <a:t>Quinto nível</a:t>
             </a:r>
-            <a:endParaRPr lang="pt-BR"/>
           </a:p>
         </p:txBody>
       </p:sp>
@@ -1296,38 +1301,37 @@
           <a:p>
             <a:pPr lvl="0"/>
             <a:r>
-              <a:rPr lang="pt-BR" smtClean="0"/>
+              <a:rPr lang="pt-BR"/>
               <a:t>Clique para editar o texto mestre</a:t>
             </a:r>
           </a:p>
           <a:p>
             <a:pPr lvl="1"/>
             <a:r>
-              <a:rPr lang="pt-BR" smtClean="0"/>
+              <a:rPr lang="pt-BR"/>
               <a:t>Segundo nível</a:t>
             </a:r>
           </a:p>
           <a:p>
             <a:pPr lvl="2"/>
             <a:r>
-              <a:rPr lang="pt-BR" smtClean="0"/>
+              <a:rPr lang="pt-BR"/>
               <a:t>Terceiro nível</a:t>
             </a:r>
           </a:p>
           <a:p>
             <a:pPr lvl="3"/>
             <a:r>
-              <a:rPr lang="pt-BR" smtClean="0"/>
+              <a:rPr lang="pt-BR"/>
               <a:t>Quarto nível</a:t>
             </a:r>
           </a:p>
           <a:p>
             <a:pPr lvl="4"/>
             <a:r>
-              <a:rPr lang="pt-BR" smtClean="0"/>
+              <a:rPr lang="pt-BR"/>
               <a:t>Quinto nível</a:t>
             </a:r>
-            <a:endParaRPr lang="pt-BR"/>
           </a:p>
         </p:txBody>
       </p:sp>
@@ -1348,7 +1352,7 @@
           <a:p>
             <a:fld id="{D8880886-F7A9-4594-A1C4-3D39DD455C9B}" type="datetimeFigureOut">
               <a:rPr lang="pt-BR" smtClean="0"/>
-              <a:t>29/04/2021</a:t>
+              <a:t>06/06/2021</a:t>
             </a:fld>
             <a:endParaRPr lang="pt-BR"/>
           </a:p>
@@ -1446,10 +1450,9 @@
           </a:lstStyle>
           <a:p>
             <a:r>
-              <a:rPr lang="pt-BR" smtClean="0"/>
+              <a:rPr lang="pt-BR"/>
               <a:t>Clique para editar o título mestre</a:t>
             </a:r>
-            <a:endParaRPr lang="pt-BR"/>
           </a:p>
         </p:txBody>
       </p:sp>
@@ -1512,7 +1515,7 @@
           <a:p>
             <a:pPr lvl="0"/>
             <a:r>
-              <a:rPr lang="pt-BR" smtClean="0"/>
+              <a:rPr lang="pt-BR"/>
               <a:t>Clique para editar o texto mestre</a:t>
             </a:r>
           </a:p>
@@ -1568,38 +1571,37 @@
           <a:p>
             <a:pPr lvl="0"/>
             <a:r>
-              <a:rPr lang="pt-BR" smtClean="0"/>
+              <a:rPr lang="pt-BR"/>
               <a:t>Clique para editar o texto mestre</a:t>
             </a:r>
           </a:p>
           <a:p>
             <a:pPr lvl="1"/>
             <a:r>
-              <a:rPr lang="pt-BR" smtClean="0"/>
+              <a:rPr lang="pt-BR"/>
               <a:t>Segundo nível</a:t>
             </a:r>
           </a:p>
           <a:p>
             <a:pPr lvl="2"/>
             <a:r>
-              <a:rPr lang="pt-BR" smtClean="0"/>
+              <a:rPr lang="pt-BR"/>
               <a:t>Terceiro nível</a:t>
             </a:r>
           </a:p>
           <a:p>
             <a:pPr lvl="3"/>
             <a:r>
-              <a:rPr lang="pt-BR" smtClean="0"/>
+              <a:rPr lang="pt-BR"/>
               <a:t>Quarto nível</a:t>
             </a:r>
           </a:p>
           <a:p>
             <a:pPr lvl="4"/>
             <a:r>
-              <a:rPr lang="pt-BR" smtClean="0"/>
+              <a:rPr lang="pt-BR"/>
               <a:t>Quinto nível</a:t>
             </a:r>
-            <a:endParaRPr lang="pt-BR"/>
           </a:p>
         </p:txBody>
       </p:sp>
@@ -1662,7 +1664,7 @@
           <a:p>
             <a:pPr lvl="0"/>
             <a:r>
-              <a:rPr lang="pt-BR" smtClean="0"/>
+              <a:rPr lang="pt-BR"/>
               <a:t>Clique para editar o texto mestre</a:t>
             </a:r>
           </a:p>
@@ -1718,38 +1720,37 @@
           <a:p>
             <a:pPr lvl="0"/>
             <a:r>
-              <a:rPr lang="pt-BR" smtClean="0"/>
+              <a:rPr lang="pt-BR"/>
               <a:t>Clique para editar o texto mestre</a:t>
             </a:r>
           </a:p>
           <a:p>
             <a:pPr lvl="1"/>
             <a:r>
-              <a:rPr lang="pt-BR" smtClean="0"/>
+              <a:rPr lang="pt-BR"/>
               <a:t>Segundo nível</a:t>
             </a:r>
           </a:p>
           <a:p>
             <a:pPr lvl="2"/>
             <a:r>
-              <a:rPr lang="pt-BR" smtClean="0"/>
+              <a:rPr lang="pt-BR"/>
               <a:t>Terceiro nível</a:t>
             </a:r>
           </a:p>
           <a:p>
             <a:pPr lvl="3"/>
             <a:r>
-              <a:rPr lang="pt-BR" smtClean="0"/>
+              <a:rPr lang="pt-BR"/>
               <a:t>Quarto nível</a:t>
             </a:r>
           </a:p>
           <a:p>
             <a:pPr lvl="4"/>
             <a:r>
-              <a:rPr lang="pt-BR" smtClean="0"/>
+              <a:rPr lang="pt-BR"/>
               <a:t>Quinto nível</a:t>
             </a:r>
-            <a:endParaRPr lang="pt-BR"/>
           </a:p>
         </p:txBody>
       </p:sp>
@@ -1770,7 +1771,7 @@
           <a:p>
             <a:fld id="{D8880886-F7A9-4594-A1C4-3D39DD455C9B}" type="datetimeFigureOut">
               <a:rPr lang="pt-BR" smtClean="0"/>
-              <a:t>29/04/2021</a:t>
+              <a:t>06/06/2021</a:t>
             </a:fld>
             <a:endParaRPr lang="pt-BR"/>
           </a:p>
@@ -1864,10 +1865,9 @@
           <a:lstStyle/>
           <a:p>
             <a:r>
-              <a:rPr lang="pt-BR" smtClean="0"/>
+              <a:rPr lang="pt-BR"/>
               <a:t>Clique para editar o título mestre</a:t>
             </a:r>
-            <a:endParaRPr lang="pt-BR"/>
           </a:p>
         </p:txBody>
       </p:sp>
@@ -1888,7 +1888,7 @@
           <a:p>
             <a:fld id="{D8880886-F7A9-4594-A1C4-3D39DD455C9B}" type="datetimeFigureOut">
               <a:rPr lang="pt-BR" smtClean="0"/>
-              <a:t>29/04/2021</a:t>
+              <a:t>06/06/2021</a:t>
             </a:fld>
             <a:endParaRPr lang="pt-BR"/>
           </a:p>
@@ -1983,7 +1983,7 @@
           <a:p>
             <a:fld id="{D8880886-F7A9-4594-A1C4-3D39DD455C9B}" type="datetimeFigureOut">
               <a:rPr lang="pt-BR" smtClean="0"/>
-              <a:t>29/04/2021</a:t>
+              <a:t>06/06/2021</a:t>
             </a:fld>
             <a:endParaRPr lang="pt-BR"/>
           </a:p>
@@ -2086,10 +2086,9 @@
           </a:lstStyle>
           <a:p>
             <a:r>
-              <a:rPr lang="pt-BR" smtClean="0"/>
+              <a:rPr lang="pt-BR"/>
               <a:t>Clique para editar o título mestre</a:t>
             </a:r>
-            <a:endParaRPr lang="pt-BR"/>
           </a:p>
         </p:txBody>
       </p:sp>
@@ -2143,38 +2142,37 @@
           <a:p>
             <a:pPr lvl="0"/>
             <a:r>
-              <a:rPr lang="pt-BR" smtClean="0"/>
+              <a:rPr lang="pt-BR"/>
               <a:t>Clique para editar o texto mestre</a:t>
             </a:r>
           </a:p>
           <a:p>
             <a:pPr lvl="1"/>
             <a:r>
-              <a:rPr lang="pt-BR" smtClean="0"/>
+              <a:rPr lang="pt-BR"/>
               <a:t>Segundo nível</a:t>
             </a:r>
           </a:p>
           <a:p>
             <a:pPr lvl="2"/>
             <a:r>
-              <a:rPr lang="pt-BR" smtClean="0"/>
+              <a:rPr lang="pt-BR"/>
               <a:t>Terceiro nível</a:t>
             </a:r>
           </a:p>
           <a:p>
             <a:pPr lvl="3"/>
             <a:r>
-              <a:rPr lang="pt-BR" smtClean="0"/>
+              <a:rPr lang="pt-BR"/>
               <a:t>Quarto nível</a:t>
             </a:r>
           </a:p>
           <a:p>
             <a:pPr lvl="4"/>
             <a:r>
-              <a:rPr lang="pt-BR" smtClean="0"/>
+              <a:rPr lang="pt-BR"/>
               <a:t>Quinto nível</a:t>
             </a:r>
-            <a:endParaRPr lang="pt-BR"/>
           </a:p>
         </p:txBody>
       </p:sp>
@@ -2237,7 +2235,7 @@
           <a:p>
             <a:pPr lvl="0"/>
             <a:r>
-              <a:rPr lang="pt-BR" smtClean="0"/>
+              <a:rPr lang="pt-BR"/>
               <a:t>Clique para editar o texto mestre</a:t>
             </a:r>
           </a:p>
@@ -2260,7 +2258,7 @@
           <a:p>
             <a:fld id="{D8880886-F7A9-4594-A1C4-3D39DD455C9B}" type="datetimeFigureOut">
               <a:rPr lang="pt-BR" smtClean="0"/>
-              <a:t>29/04/2021</a:t>
+              <a:t>06/06/2021</a:t>
             </a:fld>
             <a:endParaRPr lang="pt-BR"/>
           </a:p>
@@ -2363,10 +2361,9 @@
           </a:lstStyle>
           <a:p>
             <a:r>
-              <a:rPr lang="pt-BR" smtClean="0"/>
+              <a:rPr lang="pt-BR"/>
               <a:t>Clique para editar o título mestre</a:t>
             </a:r>
-            <a:endParaRPr lang="pt-BR"/>
           </a:p>
         </p:txBody>
       </p:sp>
@@ -2490,7 +2487,7 @@
           <a:p>
             <a:pPr lvl="0"/>
             <a:r>
-              <a:rPr lang="pt-BR" smtClean="0"/>
+              <a:rPr lang="pt-BR"/>
               <a:t>Clique para editar o texto mestre</a:t>
             </a:r>
           </a:p>
@@ -2513,7 +2510,7 @@
           <a:p>
             <a:fld id="{D8880886-F7A9-4594-A1C4-3D39DD455C9B}" type="datetimeFigureOut">
               <a:rPr lang="pt-BR" smtClean="0"/>
-              <a:t>29/04/2021</a:t>
+              <a:t>06/06/2021</a:t>
             </a:fld>
             <a:endParaRPr lang="pt-BR"/>
           </a:p>
@@ -2622,10 +2619,9 @@
           <a:lstStyle/>
           <a:p>
             <a:r>
-              <a:rPr lang="pt-BR" smtClean="0"/>
+              <a:rPr lang="pt-BR"/>
               <a:t>Clique para editar o título mestre</a:t>
             </a:r>
-            <a:endParaRPr lang="pt-BR"/>
           </a:p>
         </p:txBody>
       </p:sp>
@@ -2656,38 +2652,37 @@
           <a:p>
             <a:pPr lvl="0"/>
             <a:r>
-              <a:rPr lang="pt-BR" smtClean="0"/>
+              <a:rPr lang="pt-BR"/>
               <a:t>Clique para editar o texto mestre</a:t>
             </a:r>
           </a:p>
           <a:p>
             <a:pPr lvl="1"/>
             <a:r>
-              <a:rPr lang="pt-BR" smtClean="0"/>
+              <a:rPr lang="pt-BR"/>
               <a:t>Segundo nível</a:t>
             </a:r>
           </a:p>
           <a:p>
             <a:pPr lvl="2"/>
             <a:r>
-              <a:rPr lang="pt-BR" smtClean="0"/>
+              <a:rPr lang="pt-BR"/>
               <a:t>Terceiro nível</a:t>
             </a:r>
           </a:p>
           <a:p>
             <a:pPr lvl="3"/>
             <a:r>
-              <a:rPr lang="pt-BR" smtClean="0"/>
+              <a:rPr lang="pt-BR"/>
               <a:t>Quarto nível</a:t>
             </a:r>
           </a:p>
           <a:p>
             <a:pPr lvl="4"/>
             <a:r>
-              <a:rPr lang="pt-BR" smtClean="0"/>
+              <a:rPr lang="pt-BR"/>
               <a:t>Quinto nível</a:t>
             </a:r>
-            <a:endParaRPr lang="pt-BR"/>
           </a:p>
         </p:txBody>
       </p:sp>
@@ -2726,7 +2721,7 @@
           <a:p>
             <a:fld id="{D8880886-F7A9-4594-A1C4-3D39DD455C9B}" type="datetimeFigureOut">
               <a:rPr lang="pt-BR" smtClean="0"/>
-              <a:t>29/04/2021</a:t>
+              <a:t>06/06/2021</a:t>
             </a:fld>
             <a:endParaRPr lang="pt-BR"/>
           </a:p>
@@ -3122,10 +3117,9 @@
           <a:lstStyle/>
           <a:p>
             <a:r>
-              <a:rPr lang="pt-BR" dirty="0" smtClean="0"/>
+              <a:rPr lang="pt-BR" dirty="0"/>
               <a:t>Contexto do Negócio</a:t>
             </a:r>
-            <a:endParaRPr lang="pt-BR" dirty="0"/>
           </a:p>
         </p:txBody>
       </p:sp>
@@ -3166,10 +3160,9 @@
           <a:p>
             <a:pPr algn="ctr"/>
             <a:r>
-              <a:rPr lang="pt-BR" dirty="0" smtClean="0"/>
+              <a:rPr lang="pt-BR" dirty="0"/>
               <a:t>Cliente</a:t>
             </a:r>
-            <a:endParaRPr lang="pt-BR" dirty="0"/>
           </a:p>
         </p:txBody>
       </p:sp>
@@ -3209,14 +3202,13 @@
           <a:p>
             <a:pPr algn="ctr"/>
             <a:r>
-              <a:rPr lang="pt-BR" dirty="0" err="1" smtClean="0"/>
+              <a:rPr lang="pt-BR" dirty="0" err="1"/>
               <a:t>Hamburgueria</a:t>
             </a:r>
             <a:r>
-              <a:rPr lang="pt-BR" dirty="0" smtClean="0"/>
+              <a:rPr lang="pt-BR" dirty="0"/>
               <a:t> - Delivery</a:t>
             </a:r>
-            <a:endParaRPr lang="pt-BR" dirty="0"/>
           </a:p>
         </p:txBody>
       </p:sp>
@@ -3282,7 +3274,7 @@
               <a:buAutoNum type="arabicPeriod"/>
             </a:pPr>
             <a:r>
-              <a:rPr lang="pt-BR" dirty="0" smtClean="0"/>
+              <a:rPr lang="pt-BR" dirty="0"/>
               <a:t>Registrar o Pedido</a:t>
             </a:r>
           </a:p>
@@ -3291,7 +3283,7 @@
               <a:buAutoNum type="arabicPeriod"/>
             </a:pPr>
             <a:r>
-              <a:rPr lang="pt-BR" dirty="0" smtClean="0"/>
+              <a:rPr lang="pt-BR" dirty="0"/>
               <a:t>Realizar o Pagamento</a:t>
             </a:r>
           </a:p>
@@ -3300,7 +3292,7 @@
               <a:buAutoNum type="arabicPeriod"/>
             </a:pPr>
             <a:r>
-              <a:rPr lang="pt-BR" dirty="0" smtClean="0"/>
+              <a:rPr lang="pt-BR" dirty="0"/>
               <a:t>Monitorar o Pedido</a:t>
             </a:r>
           </a:p>
@@ -3309,7 +3301,7 @@
               <a:buAutoNum type="arabicPeriod"/>
             </a:pPr>
             <a:r>
-              <a:rPr lang="pt-BR" dirty="0" smtClean="0"/>
+              <a:rPr lang="pt-BR" dirty="0"/>
               <a:t>Cancelar o Pedido</a:t>
             </a:r>
           </a:p>
@@ -3318,12 +3310,8 @@
               <a:buAutoNum type="arabicPeriod"/>
             </a:pPr>
             <a:r>
-              <a:rPr lang="pt-BR" dirty="0" smtClean="0"/>
-              <a:t>Receber </a:t>
-            </a:r>
-            <a:r>
-              <a:rPr lang="pt-BR" dirty="0" smtClean="0"/>
-              <a:t>o Pedido</a:t>
+              <a:rPr lang="pt-BR" dirty="0"/>
+              <a:t>Receber o Pedido</a:t>
             </a:r>
           </a:p>
           <a:p>
@@ -3331,7 +3319,7 @@
               <a:buAutoNum type="arabicPeriod"/>
             </a:pPr>
             <a:r>
-              <a:rPr lang="pt-BR" dirty="0" smtClean="0"/>
+              <a:rPr lang="pt-BR" dirty="0"/>
               <a:t>Avaliar o Pedido</a:t>
             </a:r>
           </a:p>
@@ -3388,10 +3376,9 @@
           <a:lstStyle/>
           <a:p>
             <a:r>
-              <a:rPr lang="pt-BR" dirty="0" smtClean="0"/>
+              <a:rPr lang="pt-BR" dirty="0"/>
               <a:t>Cenário: Registrar o Pedido</a:t>
             </a:r>
-            <a:endParaRPr lang="pt-BR" dirty="0"/>
           </a:p>
         </p:txBody>
       </p:sp>
@@ -3432,10 +3419,9 @@
           <a:p>
             <a:pPr algn="ctr"/>
             <a:r>
-              <a:rPr lang="pt-BR" dirty="0" smtClean="0"/>
+              <a:rPr lang="pt-BR" dirty="0"/>
               <a:t>Cliente</a:t>
             </a:r>
-            <a:endParaRPr lang="pt-BR" dirty="0"/>
           </a:p>
         </p:txBody>
       </p:sp>
@@ -3473,40 +3459,6 @@
           <a:bodyPr rtlCol="0" anchor="ctr"/>
           <a:lstStyle/>
           <a:p>
-            <a:endParaRPr lang="pt-BR" dirty="0"/>
-          </a:p>
-        </p:txBody>
-      </p:sp>
-      <p:sp>
-        <p:nvSpPr>
-          <p:cNvPr id="6" name="CaixaDeTexto 5"/>
-          <p:cNvSpPr txBox="1"/>
-          <p:nvPr/>
-        </p:nvSpPr>
-        <p:spPr>
-          <a:xfrm>
-            <a:off x="6372200" y="2132856"/>
-            <a:ext cx="1656184" cy="646331"/>
-          </a:xfrm>
-          <a:prstGeom prst="rect">
-            <a:avLst/>
-          </a:prstGeom>
-          <a:noFill/>
-        </p:spPr>
-        <p:txBody>
-          <a:bodyPr wrap="square" rtlCol="0">
-            <a:spAutoFit/>
-          </a:bodyPr>
-          <a:lstStyle/>
-          <a:p>
-            <a:r>
-              <a:rPr lang="pt-BR" dirty="0" err="1" smtClean="0"/>
-              <a:t>Hamburgueria</a:t>
-            </a:r>
-            <a:r>
-              <a:rPr lang="pt-BR" dirty="0" smtClean="0"/>
-              <a:t> - Delivery</a:t>
-            </a:r>
             <a:endParaRPr lang="pt-BR" dirty="0"/>
           </a:p>
         </p:txBody>
@@ -3551,7 +3503,7 @@
           <a:p>
             <a:pPr algn="ctr"/>
             <a:r>
-              <a:rPr lang="pt-BR" dirty="0" smtClean="0">
+              <a:rPr lang="pt-BR" dirty="0">
                 <a:solidFill>
                   <a:schemeClr val="tx1"/>
                 </a:solidFill>
@@ -3562,18 +3514,13 @@
           <a:p>
             <a:pPr algn="ctr"/>
             <a:r>
-              <a:rPr lang="pt-BR" dirty="0" smtClean="0">
+              <a:rPr lang="pt-BR" dirty="0">
                 <a:solidFill>
                   <a:schemeClr val="tx1"/>
                 </a:solidFill>
               </a:rPr>
               <a:t>(Nó Operacional)</a:t>
             </a:r>
-            <a:endParaRPr lang="pt-BR" dirty="0">
-              <a:solidFill>
-                <a:schemeClr val="tx1"/>
-              </a:solidFill>
-            </a:endParaRPr>
           </a:p>
         </p:txBody>
       </p:sp>
@@ -3622,7 +3569,7 @@
           <a:p>
             <a:pPr algn="ctr"/>
             <a:r>
-              <a:rPr lang="pt-BR" dirty="0" smtClean="0">
+              <a:rPr lang="pt-BR" dirty="0">
                 <a:solidFill>
                   <a:schemeClr val="bg1">
                     <a:lumMod val="95000"/>
@@ -3631,13 +3578,6 @@
               </a:rPr>
               <a:t>Criar ordem do pedido.</a:t>
             </a:r>
-            <a:endParaRPr lang="pt-BR" dirty="0">
-              <a:solidFill>
-                <a:schemeClr val="bg1">
-                  <a:lumMod val="95000"/>
-                </a:schemeClr>
-              </a:solidFill>
-            </a:endParaRPr>
           </a:p>
         </p:txBody>
       </p:sp>
@@ -3703,6 +3643,45 @@
           </a:fontRef>
         </p:style>
       </p:cxnSp>
+      <p:sp>
+        <p:nvSpPr>
+          <p:cNvPr id="11" name="CaixaDeTexto 10">
+            <a:extLst>
+              <a:ext uri="{FF2B5EF4-FFF2-40B4-BE49-F238E27FC236}">
+                <a16:creationId xmlns:a16="http://schemas.microsoft.com/office/drawing/2014/main" id="{E7A1A130-41FB-4FA2-92B1-0169BB269B9B}"/>
+              </a:ext>
+            </a:extLst>
+          </p:cNvPr>
+          <p:cNvSpPr txBox="1"/>
+          <p:nvPr/>
+        </p:nvSpPr>
+        <p:spPr>
+          <a:xfrm>
+            <a:off x="5652120" y="2132856"/>
+            <a:ext cx="2808312" cy="369332"/>
+          </a:xfrm>
+          <a:prstGeom prst="rect">
+            <a:avLst/>
+          </a:prstGeom>
+          <a:noFill/>
+        </p:spPr>
+        <p:txBody>
+          <a:bodyPr wrap="square" rtlCol="0">
+            <a:spAutoFit/>
+          </a:bodyPr>
+          <a:lstStyle/>
+          <a:p>
+            <a:r>
+              <a:rPr lang="pt-BR" dirty="0" err="1"/>
+              <a:t>Hamburgueria</a:t>
+            </a:r>
+            <a:r>
+              <a:rPr lang="pt-BR" dirty="0"/>
+              <a:t> - Delivery</a:t>
+            </a:r>
+          </a:p>
+        </p:txBody>
+      </p:sp>
     </p:spTree>
     <p:extLst>
       <p:ext uri="{BB962C8B-B14F-4D97-AF65-F5344CB8AC3E}">
@@ -3749,10 +3728,9 @@
           <a:lstStyle/>
           <a:p>
             <a:r>
-              <a:rPr lang="pt-BR" dirty="0" smtClean="0"/>
+              <a:rPr lang="pt-BR" dirty="0"/>
               <a:t>Cenário: Realizar o Pagamento</a:t>
             </a:r>
-            <a:endParaRPr lang="pt-BR" dirty="0"/>
           </a:p>
         </p:txBody>
       </p:sp>
@@ -3793,10 +3771,9 @@
           <a:p>
             <a:pPr algn="ctr"/>
             <a:r>
-              <a:rPr lang="pt-BR" dirty="0" smtClean="0"/>
+              <a:rPr lang="pt-BR" dirty="0"/>
               <a:t>Cliente</a:t>
             </a:r>
-            <a:endParaRPr lang="pt-BR" dirty="0"/>
           </a:p>
         </p:txBody>
       </p:sp>
@@ -3834,40 +3811,6 @@
           <a:bodyPr rtlCol="0" anchor="ctr"/>
           <a:lstStyle/>
           <a:p>
-            <a:endParaRPr lang="pt-BR" dirty="0"/>
-          </a:p>
-        </p:txBody>
-      </p:sp>
-      <p:sp>
-        <p:nvSpPr>
-          <p:cNvPr id="6" name="CaixaDeTexto 5"/>
-          <p:cNvSpPr txBox="1"/>
-          <p:nvPr/>
-        </p:nvSpPr>
-        <p:spPr>
-          <a:xfrm>
-            <a:off x="6372200" y="2132856"/>
-            <a:ext cx="1656184" cy="646331"/>
-          </a:xfrm>
-          <a:prstGeom prst="rect">
-            <a:avLst/>
-          </a:prstGeom>
-          <a:noFill/>
-        </p:spPr>
-        <p:txBody>
-          <a:bodyPr wrap="square" rtlCol="0">
-            <a:spAutoFit/>
-          </a:bodyPr>
-          <a:lstStyle/>
-          <a:p>
-            <a:r>
-              <a:rPr lang="pt-BR" dirty="0" err="1" smtClean="0"/>
-              <a:t>Hamburgueria</a:t>
-            </a:r>
-            <a:r>
-              <a:rPr lang="pt-BR" dirty="0" smtClean="0"/>
-              <a:t> - Delivery</a:t>
-            </a:r>
             <a:endParaRPr lang="pt-BR" dirty="0"/>
           </a:p>
         </p:txBody>
@@ -3912,7 +3855,7 @@
           <a:p>
             <a:pPr algn="ctr"/>
             <a:r>
-              <a:rPr lang="pt-BR" dirty="0" smtClean="0">
+              <a:rPr lang="pt-BR" dirty="0">
                 <a:solidFill>
                   <a:schemeClr val="tx1"/>
                 </a:solidFill>
@@ -3923,18 +3866,13 @@
           <a:p>
             <a:pPr algn="ctr"/>
             <a:r>
-              <a:rPr lang="pt-BR" dirty="0" smtClean="0">
+              <a:rPr lang="pt-BR" dirty="0">
                 <a:solidFill>
                   <a:schemeClr val="tx1"/>
                 </a:solidFill>
               </a:rPr>
               <a:t>(Nó Operacional)</a:t>
             </a:r>
-            <a:endParaRPr lang="pt-BR" dirty="0">
-              <a:solidFill>
-                <a:schemeClr val="tx1"/>
-              </a:solidFill>
-            </a:endParaRPr>
           </a:p>
         </p:txBody>
       </p:sp>
@@ -3983,7 +3921,7 @@
           <a:p>
             <a:pPr algn="ctr"/>
             <a:r>
-              <a:rPr lang="pt-BR" dirty="0" smtClean="0">
+              <a:rPr lang="pt-BR" dirty="0">
                 <a:solidFill>
                   <a:schemeClr val="bg1">
                     <a:lumMod val="95000"/>
@@ -3992,13 +3930,6 @@
               </a:rPr>
               <a:t>Receber o pagamento.</a:t>
             </a:r>
-            <a:endParaRPr lang="pt-BR" dirty="0">
-              <a:solidFill>
-                <a:schemeClr val="bg1">
-                  <a:lumMod val="95000"/>
-                </a:schemeClr>
-              </a:solidFill>
-            </a:endParaRPr>
           </a:p>
         </p:txBody>
       </p:sp>
@@ -4064,6 +3995,45 @@
           </a:fontRef>
         </p:style>
       </p:cxnSp>
+      <p:sp>
+        <p:nvSpPr>
+          <p:cNvPr id="11" name="CaixaDeTexto 10">
+            <a:extLst>
+              <a:ext uri="{FF2B5EF4-FFF2-40B4-BE49-F238E27FC236}">
+                <a16:creationId xmlns:a16="http://schemas.microsoft.com/office/drawing/2014/main" id="{76BEC4F4-A41D-4228-99A9-D7569BE61D4C}"/>
+              </a:ext>
+            </a:extLst>
+          </p:cNvPr>
+          <p:cNvSpPr txBox="1"/>
+          <p:nvPr/>
+        </p:nvSpPr>
+        <p:spPr>
+          <a:xfrm>
+            <a:off x="5652120" y="2132856"/>
+            <a:ext cx="2808312" cy="369332"/>
+          </a:xfrm>
+          <a:prstGeom prst="rect">
+            <a:avLst/>
+          </a:prstGeom>
+          <a:noFill/>
+        </p:spPr>
+        <p:txBody>
+          <a:bodyPr wrap="square" rtlCol="0">
+            <a:spAutoFit/>
+          </a:bodyPr>
+          <a:lstStyle/>
+          <a:p>
+            <a:r>
+              <a:rPr lang="pt-BR" dirty="0" err="1"/>
+              <a:t>Hamburgueria</a:t>
+            </a:r>
+            <a:r>
+              <a:rPr lang="pt-BR" dirty="0"/>
+              <a:t> - Delivery</a:t>
+            </a:r>
+          </a:p>
+        </p:txBody>
+      </p:sp>
     </p:spTree>
     <p:extLst>
       <p:ext uri="{BB962C8B-B14F-4D97-AF65-F5344CB8AC3E}">
@@ -4117,10 +4087,9 @@
           <a:lstStyle/>
           <a:p>
             <a:r>
-              <a:rPr lang="pt-BR" dirty="0" smtClean="0"/>
+              <a:rPr lang="pt-BR" dirty="0"/>
               <a:t>Cenário: Monitorar o Pedido</a:t>
             </a:r>
-            <a:endParaRPr lang="pt-BR" dirty="0"/>
           </a:p>
         </p:txBody>
       </p:sp>
@@ -4161,10 +4130,9 @@
           <a:p>
             <a:pPr algn="ctr"/>
             <a:r>
-              <a:rPr lang="pt-BR" dirty="0" smtClean="0"/>
+              <a:rPr lang="pt-BR" dirty="0"/>
               <a:t>Cliente</a:t>
             </a:r>
-            <a:endParaRPr lang="pt-BR" dirty="0"/>
           </a:p>
         </p:txBody>
       </p:sp>
@@ -4202,40 +4170,6 @@
           <a:bodyPr rtlCol="0" anchor="ctr"/>
           <a:lstStyle/>
           <a:p>
-            <a:endParaRPr lang="pt-BR" dirty="0"/>
-          </a:p>
-        </p:txBody>
-      </p:sp>
-      <p:sp>
-        <p:nvSpPr>
-          <p:cNvPr id="6" name="CaixaDeTexto 5"/>
-          <p:cNvSpPr txBox="1"/>
-          <p:nvPr/>
-        </p:nvSpPr>
-        <p:spPr>
-          <a:xfrm>
-            <a:off x="6372200" y="2132856"/>
-            <a:ext cx="1656184" cy="646331"/>
-          </a:xfrm>
-          <a:prstGeom prst="rect">
-            <a:avLst/>
-          </a:prstGeom>
-          <a:noFill/>
-        </p:spPr>
-        <p:txBody>
-          <a:bodyPr wrap="square" rtlCol="0">
-            <a:spAutoFit/>
-          </a:bodyPr>
-          <a:lstStyle/>
-          <a:p>
-            <a:r>
-              <a:rPr lang="pt-BR" dirty="0" err="1" smtClean="0"/>
-              <a:t>Hamburgueria</a:t>
-            </a:r>
-            <a:r>
-              <a:rPr lang="pt-BR" dirty="0" smtClean="0"/>
-              <a:t> - Delivery</a:t>
-            </a:r>
             <a:endParaRPr lang="pt-BR" dirty="0"/>
           </a:p>
         </p:txBody>
@@ -4280,7 +4214,7 @@
           <a:p>
             <a:pPr algn="ctr"/>
             <a:r>
-              <a:rPr lang="pt-BR" dirty="0" smtClean="0">
+              <a:rPr lang="pt-BR" dirty="0">
                 <a:solidFill>
                   <a:schemeClr val="tx1"/>
                 </a:solidFill>
@@ -4291,18 +4225,13 @@
           <a:p>
             <a:pPr algn="ctr"/>
             <a:r>
-              <a:rPr lang="pt-BR" dirty="0" smtClean="0">
+              <a:rPr lang="pt-BR" dirty="0">
                 <a:solidFill>
                   <a:schemeClr val="tx1"/>
                 </a:solidFill>
               </a:rPr>
               <a:t>(Nó Operacional)</a:t>
             </a:r>
-            <a:endParaRPr lang="pt-BR" dirty="0">
-              <a:solidFill>
-                <a:schemeClr val="tx1"/>
-              </a:solidFill>
-            </a:endParaRPr>
           </a:p>
         </p:txBody>
       </p:sp>
@@ -4351,7 +4280,7 @@
           <a:p>
             <a:pPr algn="ctr"/>
             <a:r>
-              <a:rPr lang="pt-BR" dirty="0" smtClean="0">
+              <a:rPr lang="pt-BR" dirty="0">
                 <a:solidFill>
                   <a:schemeClr val="bg1">
                     <a:lumMod val="95000"/>
@@ -4360,13 +4289,6 @@
               </a:rPr>
               <a:t>Mostrar andamento do pedido.</a:t>
             </a:r>
-            <a:endParaRPr lang="pt-BR" dirty="0">
-              <a:solidFill>
-                <a:schemeClr val="bg1">
-                  <a:lumMod val="95000"/>
-                </a:schemeClr>
-              </a:solidFill>
-            </a:endParaRPr>
           </a:p>
         </p:txBody>
       </p:sp>
@@ -4435,6 +4357,45 @@
           </a:fontRef>
         </p:style>
       </p:cxnSp>
+      <p:sp>
+        <p:nvSpPr>
+          <p:cNvPr id="11" name="CaixaDeTexto 10">
+            <a:extLst>
+              <a:ext uri="{FF2B5EF4-FFF2-40B4-BE49-F238E27FC236}">
+                <a16:creationId xmlns:a16="http://schemas.microsoft.com/office/drawing/2014/main" id="{DF4D48EC-5FB5-4143-BD92-6CF1E9497FE4}"/>
+              </a:ext>
+            </a:extLst>
+          </p:cNvPr>
+          <p:cNvSpPr txBox="1"/>
+          <p:nvPr/>
+        </p:nvSpPr>
+        <p:spPr>
+          <a:xfrm>
+            <a:off x="5652120" y="2132856"/>
+            <a:ext cx="2808312" cy="369332"/>
+          </a:xfrm>
+          <a:prstGeom prst="rect">
+            <a:avLst/>
+          </a:prstGeom>
+          <a:noFill/>
+        </p:spPr>
+        <p:txBody>
+          <a:bodyPr wrap="square" rtlCol="0">
+            <a:spAutoFit/>
+          </a:bodyPr>
+          <a:lstStyle/>
+          <a:p>
+            <a:r>
+              <a:rPr lang="pt-BR" dirty="0" err="1"/>
+              <a:t>Hamburgueria</a:t>
+            </a:r>
+            <a:r>
+              <a:rPr lang="pt-BR" dirty="0"/>
+              <a:t> - Delivery</a:t>
+            </a:r>
+          </a:p>
+        </p:txBody>
+      </p:sp>
     </p:spTree>
     <p:extLst>
       <p:ext uri="{BB962C8B-B14F-4D97-AF65-F5344CB8AC3E}">
@@ -4481,10 +4442,9 @@
           <a:lstStyle/>
           <a:p>
             <a:r>
-              <a:rPr lang="pt-BR" dirty="0" smtClean="0"/>
+              <a:rPr lang="pt-BR" dirty="0"/>
               <a:t>Cenário: Cancelar o Pedido</a:t>
             </a:r>
-            <a:endParaRPr lang="pt-BR" dirty="0"/>
           </a:p>
         </p:txBody>
       </p:sp>
@@ -4497,7 +4457,7 @@
         <p:spPr>
           <a:xfrm>
             <a:off x="5148064" y="1810404"/>
-            <a:ext cx="3888432" cy="3778835"/>
+            <a:ext cx="3888432" cy="3922852"/>
           </a:xfrm>
           <a:prstGeom prst="roundRect">
             <a:avLst/>
@@ -4528,47 +4488,13 @@
       </p:sp>
       <p:sp>
         <p:nvSpPr>
-          <p:cNvPr id="5" name="CaixaDeTexto 4"/>
-          <p:cNvSpPr txBox="1"/>
-          <p:nvPr/>
-        </p:nvSpPr>
-        <p:spPr>
-          <a:xfrm>
-            <a:off x="6210182" y="1810405"/>
-            <a:ext cx="1656184" cy="646331"/>
-          </a:xfrm>
-          <a:prstGeom prst="rect">
-            <a:avLst/>
-          </a:prstGeom>
-          <a:noFill/>
-        </p:spPr>
-        <p:txBody>
-          <a:bodyPr wrap="square" rtlCol="0">
-            <a:spAutoFit/>
-          </a:bodyPr>
-          <a:lstStyle/>
-          <a:p>
-            <a:r>
-              <a:rPr lang="pt-BR" dirty="0" err="1" smtClean="0"/>
-              <a:t>Hamburgueria</a:t>
-            </a:r>
-            <a:r>
-              <a:rPr lang="pt-BR" dirty="0" smtClean="0"/>
-              <a:t> - Delivery</a:t>
-            </a:r>
-            <a:endParaRPr lang="pt-BR" dirty="0"/>
-          </a:p>
-        </p:txBody>
-      </p:sp>
-      <p:sp>
-        <p:nvSpPr>
           <p:cNvPr id="6" name="Cubo 5"/>
           <p:cNvSpPr/>
           <p:nvPr/>
         </p:nvSpPr>
         <p:spPr>
           <a:xfrm>
-            <a:off x="5760132" y="2420888"/>
+            <a:off x="5760132" y="2636912"/>
             <a:ext cx="2592288" cy="792088"/>
           </a:xfrm>
           <a:prstGeom prst="cube">
@@ -4600,7 +4526,7 @@
           <a:p>
             <a:pPr algn="ctr"/>
             <a:r>
-              <a:rPr lang="pt-BR" dirty="0" smtClean="0">
+              <a:rPr lang="pt-BR" dirty="0">
                 <a:solidFill>
                   <a:schemeClr val="tx1"/>
                 </a:solidFill>
@@ -4611,18 +4537,13 @@
           <a:p>
             <a:pPr algn="ctr"/>
             <a:r>
-              <a:rPr lang="pt-BR" dirty="0" smtClean="0">
+              <a:rPr lang="pt-BR" dirty="0">
                 <a:solidFill>
                   <a:schemeClr val="tx1"/>
                 </a:solidFill>
               </a:rPr>
               <a:t>(Nó Operacional)</a:t>
             </a:r>
-            <a:endParaRPr lang="pt-BR" dirty="0">
-              <a:solidFill>
-                <a:schemeClr val="tx1"/>
-              </a:solidFill>
-            </a:endParaRPr>
           </a:p>
         </p:txBody>
       </p:sp>
@@ -4634,8 +4555,8 @@
         </p:nvSpPr>
         <p:spPr>
           <a:xfrm>
-            <a:off x="6130137" y="4005064"/>
-            <a:ext cx="1806844" cy="1368152"/>
+            <a:off x="5629403" y="4221088"/>
+            <a:ext cx="2808312" cy="1368152"/>
           </a:xfrm>
           <a:prstGeom prst="roundRect">
             <a:avLst/>
@@ -4671,7 +4592,7 @@
           <a:p>
             <a:pPr algn="ctr"/>
             <a:r>
-              <a:rPr lang="pt-BR" dirty="0" smtClean="0">
+              <a:rPr lang="pt-BR" dirty="0">
                 <a:solidFill>
                   <a:schemeClr val="bg1">
                     <a:lumMod val="95000"/>
@@ -4680,33 +4601,26 @@
               </a:rPr>
               <a:t>Garantir o Cancelamento de acordo com as regras do negócio.</a:t>
             </a:r>
-            <a:endParaRPr lang="pt-BR" dirty="0">
-              <a:solidFill>
-                <a:schemeClr val="bg1">
-                  <a:lumMod val="95000"/>
-                </a:schemeClr>
-              </a:solidFill>
-            </a:endParaRPr>
           </a:p>
         </p:txBody>
       </p:sp>
       <p:cxnSp>
         <p:nvCxnSpPr>
-          <p:cNvPr id="8" name="Conector de seta reta 7"/>
-          <p:cNvCxnSpPr/>
+          <p:cNvPr id="10" name="Conector reto 9"/>
+          <p:cNvCxnSpPr>
+            <a:cxnSpLocks/>
+            <a:stCxn id="7" idx="0"/>
+          </p:cNvCxnSpPr>
           <p:nvPr/>
         </p:nvCxnSpPr>
         <p:spPr>
-          <a:xfrm>
-            <a:off x="2222674" y="2816932"/>
-            <a:ext cx="3537458" cy="0"/>
-          </a:xfrm>
-          <a:prstGeom prst="straightConnector1">
+          <a:xfrm flipV="1">
+            <a:off x="7033559" y="3429000"/>
+            <a:ext cx="1" cy="792088"/>
+          </a:xfrm>
+          <a:prstGeom prst="line">
             <a:avLst/>
           </a:prstGeom>
-          <a:ln>
-            <a:tailEnd type="arrow"/>
-          </a:ln>
         </p:spPr>
         <p:style>
           <a:lnRef idx="1">
@@ -4723,47 +4637,60 @@
           </a:fontRef>
         </p:style>
       </p:cxnSp>
-      <p:cxnSp>
-        <p:nvCxnSpPr>
-          <p:cNvPr id="10" name="Conector reto 9"/>
-          <p:cNvCxnSpPr>
-            <a:stCxn id="7" idx="0"/>
-          </p:cNvCxnSpPr>
+      <p:sp>
+        <p:nvSpPr>
+          <p:cNvPr id="11" name="CaixaDeTexto 10">
+            <a:extLst>
+              <a:ext uri="{FF2B5EF4-FFF2-40B4-BE49-F238E27FC236}">
+                <a16:creationId xmlns:a16="http://schemas.microsoft.com/office/drawing/2014/main" id="{E8C29E26-9D2C-41B7-9264-8649FBB7E7C8}"/>
+              </a:ext>
+            </a:extLst>
+          </p:cNvPr>
+          <p:cNvSpPr txBox="1"/>
           <p:nvPr/>
-        </p:nvCxnSpPr>
-        <p:spPr>
-          <a:xfrm flipV="1">
-            <a:off x="7033559" y="3212976"/>
-            <a:ext cx="0" cy="792088"/>
-          </a:xfrm>
-          <a:prstGeom prst="line">
+        </p:nvSpPr>
+        <p:spPr>
+          <a:xfrm>
+            <a:off x="5629403" y="1835532"/>
+            <a:ext cx="2808312" cy="369332"/>
+          </a:xfrm>
+          <a:prstGeom prst="rect">
             <a:avLst/>
           </a:prstGeom>
-        </p:spPr>
-        <p:style>
-          <a:lnRef idx="1">
-            <a:schemeClr val="accent1"/>
-          </a:lnRef>
-          <a:fillRef idx="0">
-            <a:schemeClr val="accent1"/>
-          </a:fillRef>
-          <a:effectRef idx="0">
-            <a:schemeClr val="accent1"/>
-          </a:effectRef>
-          <a:fontRef idx="minor">
-            <a:schemeClr val="tx1"/>
-          </a:fontRef>
-        </p:style>
-      </p:cxnSp>
-      <p:sp>
-        <p:nvSpPr>
-          <p:cNvPr id="12" name="Retângulo 11"/>
+          <a:noFill/>
+        </p:spPr>
+        <p:txBody>
+          <a:bodyPr wrap="square" rtlCol="0">
+            <a:spAutoFit/>
+          </a:bodyPr>
+          <a:lstStyle/>
+          <a:p>
+            <a:r>
+              <a:rPr lang="pt-BR" dirty="0" err="1"/>
+              <a:t>Hamburgueria</a:t>
+            </a:r>
+            <a:r>
+              <a:rPr lang="pt-BR" dirty="0"/>
+              <a:t> - Delivery</a:t>
+            </a:r>
+          </a:p>
+        </p:txBody>
+      </p:sp>
+      <p:sp>
+        <p:nvSpPr>
+          <p:cNvPr id="13" name="Retângulo 12">
+            <a:extLst>
+              <a:ext uri="{FF2B5EF4-FFF2-40B4-BE49-F238E27FC236}">
+                <a16:creationId xmlns:a16="http://schemas.microsoft.com/office/drawing/2014/main" id="{7CAC3809-23FE-4A56-A19E-544127ED021D}"/>
+              </a:ext>
+            </a:extLst>
+          </p:cNvPr>
           <p:cNvSpPr/>
           <p:nvPr/>
         </p:nvSpPr>
         <p:spPr>
           <a:xfrm>
-            <a:off x="62434" y="2240868"/>
+            <a:off x="98401" y="2636912"/>
             <a:ext cx="2160240" cy="1152128"/>
           </a:xfrm>
           <a:prstGeom prst="rect">
@@ -4792,13 +4719,50 @@
           <a:p>
             <a:pPr algn="ctr"/>
             <a:r>
-              <a:rPr lang="pt-BR" dirty="0" smtClean="0"/>
+              <a:rPr lang="pt-BR" dirty="0"/>
               <a:t>Cliente</a:t>
             </a:r>
-            <a:endParaRPr lang="pt-BR" dirty="0"/>
-          </a:p>
-        </p:txBody>
-      </p:sp>
+          </a:p>
+        </p:txBody>
+      </p:sp>
+      <p:cxnSp>
+        <p:nvCxnSpPr>
+          <p:cNvPr id="14" name="Conector reto 13">
+            <a:extLst>
+              <a:ext uri="{FF2B5EF4-FFF2-40B4-BE49-F238E27FC236}">
+                <a16:creationId xmlns:a16="http://schemas.microsoft.com/office/drawing/2014/main" id="{8E799236-7B6C-4537-9EB6-DA2424B4C405}"/>
+              </a:ext>
+            </a:extLst>
+          </p:cNvPr>
+          <p:cNvCxnSpPr>
+            <a:stCxn id="13" idx="3"/>
+          </p:cNvCxnSpPr>
+          <p:nvPr/>
+        </p:nvCxnSpPr>
+        <p:spPr>
+          <a:xfrm>
+            <a:off x="2258641" y="3212976"/>
+            <a:ext cx="3609503" cy="0"/>
+          </a:xfrm>
+          <a:prstGeom prst="line">
+            <a:avLst/>
+          </a:prstGeom>
+        </p:spPr>
+        <p:style>
+          <a:lnRef idx="1">
+            <a:schemeClr val="accent1"/>
+          </a:lnRef>
+          <a:fillRef idx="0">
+            <a:schemeClr val="accent1"/>
+          </a:fillRef>
+          <a:effectRef idx="0">
+            <a:schemeClr val="accent1"/>
+          </a:effectRef>
+          <a:fontRef idx="minor">
+            <a:schemeClr val="tx1"/>
+          </a:fontRef>
+        </p:style>
+      </p:cxnSp>
     </p:spTree>
     <p:extLst>
       <p:ext uri="{BB962C8B-B14F-4D97-AF65-F5344CB8AC3E}">
@@ -4850,27 +4814,67 @@
           <a:lstStyle/>
           <a:p>
             <a:r>
-              <a:rPr lang="pt-BR" dirty="0" smtClean="0"/>
+              <a:rPr lang="pt-BR" dirty="0"/>
               <a:t>Cenário: Receber o Pedido</a:t>
             </a:r>
-            <a:endParaRPr lang="pt-BR" dirty="0"/>
-          </a:p>
-        </p:txBody>
-      </p:sp>
-      <p:sp>
-        <p:nvSpPr>
-          <p:cNvPr id="4" name="Retângulo 3"/>
+          </a:p>
+        </p:txBody>
+      </p:sp>
+      <p:sp>
+        <p:nvSpPr>
+          <p:cNvPr id="5" name="Retângulo de cantos arredondados 4"/>
           <p:cNvSpPr/>
           <p:nvPr/>
         </p:nvSpPr>
         <p:spPr>
           <a:xfrm>
-            <a:off x="62434" y="2240868"/>
-            <a:ext cx="2160240" cy="1152128"/>
-          </a:xfrm>
-          <a:prstGeom prst="rect">
+            <a:off x="5148064" y="2098437"/>
+            <a:ext cx="3888432" cy="3778835"/>
+          </a:xfrm>
+          <a:prstGeom prst="roundRect">
             <a:avLst/>
           </a:prstGeom>
+          <a:ln/>
+        </p:spPr>
+        <p:style>
+          <a:lnRef idx="2">
+            <a:schemeClr val="accent1"/>
+          </a:lnRef>
+          <a:fillRef idx="1">
+            <a:schemeClr val="lt1"/>
+          </a:fillRef>
+          <a:effectRef idx="0">
+            <a:schemeClr val="accent1"/>
+          </a:effectRef>
+          <a:fontRef idx="minor">
+            <a:schemeClr val="dk1"/>
+          </a:fontRef>
+        </p:style>
+        <p:txBody>
+          <a:bodyPr rtlCol="0" anchor="ctr"/>
+          <a:lstStyle/>
+          <a:p>
+            <a:endParaRPr lang="pt-BR" dirty="0"/>
+          </a:p>
+        </p:txBody>
+      </p:sp>
+      <p:sp>
+        <p:nvSpPr>
+          <p:cNvPr id="7" name="Cubo 6"/>
+          <p:cNvSpPr/>
+          <p:nvPr/>
+        </p:nvSpPr>
+        <p:spPr>
+          <a:xfrm>
+            <a:off x="5760132" y="2708921"/>
+            <a:ext cx="2592288" cy="792088"/>
+          </a:xfrm>
+          <a:prstGeom prst="cube">
+            <a:avLst/>
+          </a:prstGeom>
+          <a:solidFill>
+            <a:srgbClr val="FFC000"/>
+          </a:solidFill>
         </p:spPr>
         <p:style>
           <a:lnRef idx="2">
@@ -4894,126 +4898,7 @@
           <a:p>
             <a:pPr algn="ctr"/>
             <a:r>
-              <a:rPr lang="pt-BR" dirty="0" smtClean="0"/>
-              <a:t>Cliente</a:t>
-            </a:r>
-            <a:endParaRPr lang="pt-BR" dirty="0"/>
-          </a:p>
-        </p:txBody>
-      </p:sp>
-      <p:sp>
-        <p:nvSpPr>
-          <p:cNvPr id="5" name="Retângulo de cantos arredondados 4"/>
-          <p:cNvSpPr/>
-          <p:nvPr/>
-        </p:nvSpPr>
-        <p:spPr>
-          <a:xfrm>
-            <a:off x="5148064" y="1810404"/>
-            <a:ext cx="3888432" cy="3778835"/>
-          </a:xfrm>
-          <a:prstGeom prst="roundRect">
-            <a:avLst/>
-          </a:prstGeom>
-          <a:ln/>
-        </p:spPr>
-        <p:style>
-          <a:lnRef idx="2">
-            <a:schemeClr val="accent1"/>
-          </a:lnRef>
-          <a:fillRef idx="1">
-            <a:schemeClr val="lt1"/>
-          </a:fillRef>
-          <a:effectRef idx="0">
-            <a:schemeClr val="accent1"/>
-          </a:effectRef>
-          <a:fontRef idx="minor">
-            <a:schemeClr val="dk1"/>
-          </a:fontRef>
-        </p:style>
-        <p:txBody>
-          <a:bodyPr rtlCol="0" anchor="ctr"/>
-          <a:lstStyle/>
-          <a:p>
-            <a:endParaRPr lang="pt-BR" dirty="0"/>
-          </a:p>
-        </p:txBody>
-      </p:sp>
-      <p:sp>
-        <p:nvSpPr>
-          <p:cNvPr id="6" name="CaixaDeTexto 5"/>
-          <p:cNvSpPr txBox="1"/>
-          <p:nvPr/>
-        </p:nvSpPr>
-        <p:spPr>
-          <a:xfrm>
-            <a:off x="6210182" y="1810405"/>
-            <a:ext cx="1656184" cy="646331"/>
-          </a:xfrm>
-          <a:prstGeom prst="rect">
-            <a:avLst/>
-          </a:prstGeom>
-          <a:noFill/>
-        </p:spPr>
-        <p:txBody>
-          <a:bodyPr wrap="square" rtlCol="0">
-            <a:spAutoFit/>
-          </a:bodyPr>
-          <a:lstStyle/>
-          <a:p>
-            <a:r>
-              <a:rPr lang="pt-BR" dirty="0" err="1" smtClean="0"/>
-              <a:t>Hamburgueria</a:t>
-            </a:r>
-            <a:r>
-              <a:rPr lang="pt-BR" dirty="0" smtClean="0"/>
-              <a:t> - Delivery</a:t>
-            </a:r>
-            <a:endParaRPr lang="pt-BR" dirty="0"/>
-          </a:p>
-        </p:txBody>
-      </p:sp>
-      <p:sp>
-        <p:nvSpPr>
-          <p:cNvPr id="7" name="Cubo 6"/>
-          <p:cNvSpPr/>
-          <p:nvPr/>
-        </p:nvSpPr>
-        <p:spPr>
-          <a:xfrm>
-            <a:off x="5760132" y="2420888"/>
-            <a:ext cx="2592288" cy="792088"/>
-          </a:xfrm>
-          <a:prstGeom prst="cube">
-            <a:avLst/>
-          </a:prstGeom>
-          <a:solidFill>
-            <a:srgbClr val="FFC000"/>
-          </a:solidFill>
-        </p:spPr>
-        <p:style>
-          <a:lnRef idx="2">
-            <a:schemeClr val="accent1">
-              <a:shade val="50000"/>
-            </a:schemeClr>
-          </a:lnRef>
-          <a:fillRef idx="1">
-            <a:schemeClr val="accent1"/>
-          </a:fillRef>
-          <a:effectRef idx="0">
-            <a:schemeClr val="accent1"/>
-          </a:effectRef>
-          <a:fontRef idx="minor">
-            <a:schemeClr val="lt1"/>
-          </a:fontRef>
-        </p:style>
-        <p:txBody>
-          <a:bodyPr rtlCol="0" anchor="ctr"/>
-          <a:lstStyle/>
-          <a:p>
-            <a:pPr algn="ctr"/>
-            <a:r>
-              <a:rPr lang="pt-BR" dirty="0" smtClean="0">
+              <a:rPr lang="pt-BR" dirty="0">
                 <a:solidFill>
                   <a:schemeClr val="tx1"/>
                 </a:solidFill>
@@ -5024,56 +4909,16 @@
           <a:p>
             <a:pPr algn="ctr"/>
             <a:r>
-              <a:rPr lang="pt-BR" dirty="0" smtClean="0">
+              <a:rPr lang="pt-BR" dirty="0">
                 <a:solidFill>
                   <a:schemeClr val="tx1"/>
                 </a:solidFill>
               </a:rPr>
               <a:t>(Nó Operacional)</a:t>
             </a:r>
-            <a:endParaRPr lang="pt-BR" dirty="0">
-              <a:solidFill>
-                <a:schemeClr val="tx1"/>
-              </a:solidFill>
-            </a:endParaRPr>
-          </a:p>
-        </p:txBody>
-      </p:sp>
-      <p:cxnSp>
-        <p:nvCxnSpPr>
-          <p:cNvPr id="9" name="Conector de seta reta 8"/>
-          <p:cNvCxnSpPr>
-            <a:stCxn id="4" idx="3"/>
-          </p:cNvCxnSpPr>
-          <p:nvPr/>
-        </p:nvCxnSpPr>
-        <p:spPr>
-          <a:xfrm>
-            <a:off x="2222674" y="2816932"/>
-            <a:ext cx="3537458" cy="0"/>
-          </a:xfrm>
-          <a:prstGeom prst="straightConnector1">
-            <a:avLst/>
-          </a:prstGeom>
-          <a:ln>
-            <a:tailEnd type="arrow"/>
-          </a:ln>
-        </p:spPr>
-        <p:style>
-          <a:lnRef idx="1">
-            <a:schemeClr val="accent1"/>
-          </a:lnRef>
-          <a:fillRef idx="0">
-            <a:schemeClr val="accent1"/>
-          </a:fillRef>
-          <a:effectRef idx="0">
-            <a:schemeClr val="accent1"/>
-          </a:effectRef>
-          <a:fontRef idx="minor">
-            <a:schemeClr val="tx1"/>
-          </a:fontRef>
-        </p:style>
-      </p:cxnSp>
+          </a:p>
+        </p:txBody>
+      </p:sp>
       <p:sp>
         <p:nvSpPr>
           <p:cNvPr id="12" name="Retângulo de cantos arredondados 11"/>
@@ -5082,7 +4927,7 @@
         </p:nvSpPr>
         <p:spPr>
           <a:xfrm>
-            <a:off x="6354198" y="4190789"/>
+            <a:off x="6354198" y="4478822"/>
             <a:ext cx="1368152" cy="936104"/>
           </a:xfrm>
           <a:prstGeom prst="roundRect">
@@ -5119,7 +4964,7 @@
           <a:p>
             <a:pPr algn="ctr"/>
             <a:r>
-              <a:rPr lang="pt-BR" dirty="0" smtClean="0">
+              <a:rPr lang="pt-BR" dirty="0">
                 <a:solidFill>
                   <a:schemeClr val="bg1">
                     <a:lumMod val="95000"/>
@@ -5128,13 +4973,6 @@
               </a:rPr>
               <a:t>Garantir entrega.</a:t>
             </a:r>
-            <a:endParaRPr lang="pt-BR" dirty="0">
-              <a:solidFill>
-                <a:schemeClr val="bg1">
-                  <a:lumMod val="95000"/>
-                </a:schemeClr>
-              </a:solidFill>
-            </a:endParaRPr>
           </a:p>
         </p:txBody>
       </p:sp>
@@ -5146,8 +4984,136 @@
         </p:nvCxnSpPr>
         <p:spPr>
           <a:xfrm flipV="1">
-            <a:off x="7092280" y="3210914"/>
+            <a:off x="7092280" y="3498947"/>
             <a:ext cx="0" cy="977813"/>
+          </a:xfrm>
+          <a:prstGeom prst="line">
+            <a:avLst/>
+          </a:prstGeom>
+        </p:spPr>
+        <p:style>
+          <a:lnRef idx="1">
+            <a:schemeClr val="accent1"/>
+          </a:lnRef>
+          <a:fillRef idx="0">
+            <a:schemeClr val="accent1"/>
+          </a:fillRef>
+          <a:effectRef idx="0">
+            <a:schemeClr val="accent1"/>
+          </a:effectRef>
+          <a:fontRef idx="minor">
+            <a:schemeClr val="tx1"/>
+          </a:fontRef>
+        </p:style>
+      </p:cxnSp>
+      <p:sp>
+        <p:nvSpPr>
+          <p:cNvPr id="10" name="CaixaDeTexto 9">
+            <a:extLst>
+              <a:ext uri="{FF2B5EF4-FFF2-40B4-BE49-F238E27FC236}">
+                <a16:creationId xmlns:a16="http://schemas.microsoft.com/office/drawing/2014/main" id="{02101A16-06DB-4522-BFDA-08E83C76EA7D}"/>
+              </a:ext>
+            </a:extLst>
+          </p:cNvPr>
+          <p:cNvSpPr txBox="1"/>
+          <p:nvPr/>
+        </p:nvSpPr>
+        <p:spPr>
+          <a:xfrm>
+            <a:off x="5634118" y="2123565"/>
+            <a:ext cx="2808312" cy="369332"/>
+          </a:xfrm>
+          <a:prstGeom prst="rect">
+            <a:avLst/>
+          </a:prstGeom>
+          <a:noFill/>
+        </p:spPr>
+        <p:txBody>
+          <a:bodyPr wrap="square" rtlCol="0">
+            <a:spAutoFit/>
+          </a:bodyPr>
+          <a:lstStyle/>
+          <a:p>
+            <a:r>
+              <a:rPr lang="pt-BR" dirty="0" err="1"/>
+              <a:t>Hamburgueria</a:t>
+            </a:r>
+            <a:r>
+              <a:rPr lang="pt-BR" dirty="0"/>
+              <a:t> - Delivery</a:t>
+            </a:r>
+          </a:p>
+        </p:txBody>
+      </p:sp>
+      <p:sp>
+        <p:nvSpPr>
+          <p:cNvPr id="11" name="Retângulo 10">
+            <a:extLst>
+              <a:ext uri="{FF2B5EF4-FFF2-40B4-BE49-F238E27FC236}">
+                <a16:creationId xmlns:a16="http://schemas.microsoft.com/office/drawing/2014/main" id="{1CBD2223-615E-408C-A909-70FEAFE6B898}"/>
+              </a:ext>
+            </a:extLst>
+          </p:cNvPr>
+          <p:cNvSpPr/>
+          <p:nvPr/>
+        </p:nvSpPr>
+        <p:spPr>
+          <a:xfrm>
+            <a:off x="98401" y="2636912"/>
+            <a:ext cx="2160240" cy="1152128"/>
+          </a:xfrm>
+          <a:prstGeom prst="rect">
+            <a:avLst/>
+          </a:prstGeom>
+        </p:spPr>
+        <p:style>
+          <a:lnRef idx="2">
+            <a:schemeClr val="accent1">
+              <a:shade val="50000"/>
+            </a:schemeClr>
+          </a:lnRef>
+          <a:fillRef idx="1">
+            <a:schemeClr val="accent1"/>
+          </a:fillRef>
+          <a:effectRef idx="0">
+            <a:schemeClr val="accent1"/>
+          </a:effectRef>
+          <a:fontRef idx="minor">
+            <a:schemeClr val="lt1"/>
+          </a:fontRef>
+        </p:style>
+        <p:txBody>
+          <a:bodyPr rtlCol="0" anchor="ctr"/>
+          <a:lstStyle/>
+          <a:p>
+            <a:pPr algn="ctr"/>
+            <a:r>
+              <a:rPr lang="pt-BR" dirty="0"/>
+              <a:t>Cliente</a:t>
+            </a:r>
+          </a:p>
+        </p:txBody>
+      </p:sp>
+      <p:cxnSp>
+        <p:nvCxnSpPr>
+          <p:cNvPr id="14" name="Conector reto 13">
+            <a:extLst>
+              <a:ext uri="{FF2B5EF4-FFF2-40B4-BE49-F238E27FC236}">
+                <a16:creationId xmlns:a16="http://schemas.microsoft.com/office/drawing/2014/main" id="{3677A5DB-76A9-4EA7-84FB-381F737F391D}"/>
+              </a:ext>
+            </a:extLst>
+          </p:cNvPr>
+          <p:cNvCxnSpPr>
+            <a:cxnSpLocks/>
+            <a:stCxn id="11" idx="3"/>
+            <a:endCxn id="7" idx="2"/>
+          </p:cNvCxnSpPr>
+          <p:nvPr/>
+        </p:nvCxnSpPr>
+        <p:spPr>
+          <a:xfrm flipV="1">
+            <a:off x="2258641" y="3203976"/>
+            <a:ext cx="3501491" cy="9000"/>
           </a:xfrm>
           <a:prstGeom prst="line">
             <a:avLst/>
@@ -5219,27 +5185,100 @@
           <a:lstStyle/>
           <a:p>
             <a:r>
-              <a:rPr lang="pt-BR" dirty="0" smtClean="0"/>
-              <a:t>Cenário: Avaliar Serviço</a:t>
-            </a:r>
-            <a:endParaRPr lang="pt-BR" dirty="0"/>
-          </a:p>
-        </p:txBody>
-      </p:sp>
-      <p:sp>
-        <p:nvSpPr>
-          <p:cNvPr id="4" name="Retângulo 3"/>
+              <a:rPr lang="pt-BR" dirty="0"/>
+              <a:t>Cenário: Avaliar pedido</a:t>
+            </a:r>
+          </a:p>
+        </p:txBody>
+      </p:sp>
+      <p:sp>
+        <p:nvSpPr>
+          <p:cNvPr id="5" name="Retângulo de cantos arredondados 4"/>
           <p:cNvSpPr/>
           <p:nvPr/>
         </p:nvSpPr>
         <p:spPr>
           <a:xfrm>
-            <a:off x="98401" y="2636912"/>
-            <a:ext cx="2160240" cy="1152128"/>
+            <a:off x="5076056" y="2132856"/>
+            <a:ext cx="3923928" cy="3600400"/>
+          </a:xfrm>
+          <a:prstGeom prst="roundRect">
+            <a:avLst/>
+          </a:prstGeom>
+          <a:ln/>
+        </p:spPr>
+        <p:style>
+          <a:lnRef idx="2">
+            <a:schemeClr val="accent1"/>
+          </a:lnRef>
+          <a:fillRef idx="1">
+            <a:schemeClr val="lt1"/>
+          </a:fillRef>
+          <a:effectRef idx="0">
+            <a:schemeClr val="accent1"/>
+          </a:effectRef>
+          <a:fontRef idx="minor">
+            <a:schemeClr val="dk1"/>
+          </a:fontRef>
+        </p:style>
+        <p:txBody>
+          <a:bodyPr rtlCol="0" anchor="ctr"/>
+          <a:lstStyle/>
+          <a:p>
+            <a:endParaRPr lang="pt-BR" dirty="0"/>
+          </a:p>
+        </p:txBody>
+      </p:sp>
+      <p:sp>
+        <p:nvSpPr>
+          <p:cNvPr id="6" name="CaixaDeTexto 5"/>
+          <p:cNvSpPr txBox="1"/>
+          <p:nvPr/>
+        </p:nvSpPr>
+        <p:spPr>
+          <a:xfrm>
+            <a:off x="5652120" y="2132856"/>
+            <a:ext cx="2808312" cy="369332"/>
           </a:xfrm>
           <a:prstGeom prst="rect">
             <a:avLst/>
           </a:prstGeom>
+          <a:noFill/>
+        </p:spPr>
+        <p:txBody>
+          <a:bodyPr wrap="square" rtlCol="0">
+            <a:spAutoFit/>
+          </a:bodyPr>
+          <a:lstStyle/>
+          <a:p>
+            <a:r>
+              <a:rPr lang="pt-BR" dirty="0" err="1"/>
+              <a:t>Hamburgueria</a:t>
+            </a:r>
+            <a:r>
+              <a:rPr lang="pt-BR" dirty="0"/>
+              <a:t> - Delivery</a:t>
+            </a:r>
+          </a:p>
+        </p:txBody>
+      </p:sp>
+      <p:sp>
+        <p:nvSpPr>
+          <p:cNvPr id="7" name="Cubo 6"/>
+          <p:cNvSpPr/>
+          <p:nvPr/>
+        </p:nvSpPr>
+        <p:spPr>
+          <a:xfrm>
+            <a:off x="5868144" y="2852936"/>
+            <a:ext cx="2592288" cy="792088"/>
+          </a:xfrm>
+          <a:prstGeom prst="cube">
+            <a:avLst/>
+          </a:prstGeom>
+          <a:solidFill>
+            <a:srgbClr val="FFC000"/>
+          </a:solidFill>
         </p:spPr>
         <p:style>
           <a:lnRef idx="2">
@@ -5263,126 +5302,7 @@
           <a:p>
             <a:pPr algn="ctr"/>
             <a:r>
-              <a:rPr lang="pt-BR" dirty="0" smtClean="0"/>
-              <a:t>Cliente</a:t>
-            </a:r>
-            <a:endParaRPr lang="pt-BR" dirty="0"/>
-          </a:p>
-        </p:txBody>
-      </p:sp>
-      <p:sp>
-        <p:nvSpPr>
-          <p:cNvPr id="5" name="Retângulo de cantos arredondados 4"/>
-          <p:cNvSpPr/>
-          <p:nvPr/>
-        </p:nvSpPr>
-        <p:spPr>
-          <a:xfrm>
-            <a:off x="5076056" y="2132856"/>
-            <a:ext cx="3923928" cy="3600400"/>
-          </a:xfrm>
-          <a:prstGeom prst="roundRect">
-            <a:avLst/>
-          </a:prstGeom>
-          <a:ln/>
-        </p:spPr>
-        <p:style>
-          <a:lnRef idx="2">
-            <a:schemeClr val="accent1"/>
-          </a:lnRef>
-          <a:fillRef idx="1">
-            <a:schemeClr val="lt1"/>
-          </a:fillRef>
-          <a:effectRef idx="0">
-            <a:schemeClr val="accent1"/>
-          </a:effectRef>
-          <a:fontRef idx="minor">
-            <a:schemeClr val="dk1"/>
-          </a:fontRef>
-        </p:style>
-        <p:txBody>
-          <a:bodyPr rtlCol="0" anchor="ctr"/>
-          <a:lstStyle/>
-          <a:p>
-            <a:endParaRPr lang="pt-BR" dirty="0"/>
-          </a:p>
-        </p:txBody>
-      </p:sp>
-      <p:sp>
-        <p:nvSpPr>
-          <p:cNvPr id="6" name="CaixaDeTexto 5"/>
-          <p:cNvSpPr txBox="1"/>
-          <p:nvPr/>
-        </p:nvSpPr>
-        <p:spPr>
-          <a:xfrm>
-            <a:off x="6372200" y="2132856"/>
-            <a:ext cx="1656184" cy="646331"/>
-          </a:xfrm>
-          <a:prstGeom prst="rect">
-            <a:avLst/>
-          </a:prstGeom>
-          <a:noFill/>
-        </p:spPr>
-        <p:txBody>
-          <a:bodyPr wrap="square" rtlCol="0">
-            <a:spAutoFit/>
-          </a:bodyPr>
-          <a:lstStyle/>
-          <a:p>
-            <a:r>
-              <a:rPr lang="pt-BR" dirty="0" err="1" smtClean="0"/>
-              <a:t>Hamburgueria</a:t>
-            </a:r>
-            <a:r>
-              <a:rPr lang="pt-BR" dirty="0" smtClean="0"/>
-              <a:t> - Delivery</a:t>
-            </a:r>
-            <a:endParaRPr lang="pt-BR" dirty="0"/>
-          </a:p>
-        </p:txBody>
-      </p:sp>
-      <p:sp>
-        <p:nvSpPr>
-          <p:cNvPr id="7" name="Cubo 6"/>
-          <p:cNvSpPr/>
-          <p:nvPr/>
-        </p:nvSpPr>
-        <p:spPr>
-          <a:xfrm>
-            <a:off x="5868144" y="2852936"/>
-            <a:ext cx="2592288" cy="792088"/>
-          </a:xfrm>
-          <a:prstGeom prst="cube">
-            <a:avLst/>
-          </a:prstGeom>
-          <a:solidFill>
-            <a:srgbClr val="FFC000"/>
-          </a:solidFill>
-        </p:spPr>
-        <p:style>
-          <a:lnRef idx="2">
-            <a:schemeClr val="accent1">
-              <a:shade val="50000"/>
-            </a:schemeClr>
-          </a:lnRef>
-          <a:fillRef idx="1">
-            <a:schemeClr val="accent1"/>
-          </a:fillRef>
-          <a:effectRef idx="0">
-            <a:schemeClr val="accent1"/>
-          </a:effectRef>
-          <a:fontRef idx="minor">
-            <a:schemeClr val="lt1"/>
-          </a:fontRef>
-        </p:style>
-        <p:txBody>
-          <a:bodyPr rtlCol="0" anchor="ctr"/>
-          <a:lstStyle/>
-          <a:p>
-            <a:pPr algn="ctr"/>
-            <a:r>
-              <a:rPr lang="pt-BR" dirty="0" smtClean="0">
+              <a:rPr lang="pt-BR" dirty="0">
                 <a:solidFill>
                   <a:schemeClr val="tx1"/>
                 </a:solidFill>
@@ -5393,18 +5313,13 @@
           <a:p>
             <a:pPr algn="ctr"/>
             <a:r>
-              <a:rPr lang="pt-BR" dirty="0" smtClean="0">
+              <a:rPr lang="pt-BR" dirty="0">
                 <a:solidFill>
                   <a:schemeClr val="tx1"/>
                 </a:solidFill>
               </a:rPr>
               <a:t>(Nó Operacional)</a:t>
             </a:r>
-            <a:endParaRPr lang="pt-BR" dirty="0">
-              <a:solidFill>
-                <a:schemeClr val="tx1"/>
-              </a:solidFill>
-            </a:endParaRPr>
           </a:p>
         </p:txBody>
       </p:sp>
@@ -5453,7 +5368,7 @@
           <a:p>
             <a:pPr algn="ctr"/>
             <a:r>
-              <a:rPr lang="pt-BR" dirty="0" smtClean="0">
+              <a:rPr lang="pt-BR" dirty="0">
                 <a:solidFill>
                   <a:schemeClr val="bg1">
                     <a:lumMod val="95000"/>
@@ -5462,28 +5377,19 @@
               </a:rPr>
               <a:t>Receber feedback sobre o serviço.</a:t>
             </a:r>
-            <a:endParaRPr lang="pt-BR" dirty="0">
-              <a:solidFill>
-                <a:schemeClr val="bg1">
-                  <a:lumMod val="95000"/>
-                </a:schemeClr>
-              </a:solidFill>
-            </a:endParaRPr>
           </a:p>
         </p:txBody>
       </p:sp>
       <p:cxnSp>
         <p:nvCxnSpPr>
-          <p:cNvPr id="10" name="Conector reto 9"/>
-          <p:cNvCxnSpPr>
-            <a:stCxn id="4" idx="3"/>
-          </p:cNvCxnSpPr>
+          <p:cNvPr id="15" name="Conector reto 14"/>
+          <p:cNvCxnSpPr/>
           <p:nvPr/>
         </p:nvCxnSpPr>
         <p:spPr>
-          <a:xfrm>
-            <a:off x="2258641" y="3212976"/>
-            <a:ext cx="3609503" cy="0"/>
+          <a:xfrm flipH="1">
+            <a:off x="7038020" y="3645024"/>
+            <a:ext cx="1" cy="648072"/>
           </a:xfrm>
           <a:prstGeom prst="line">
             <a:avLst/>
@@ -5504,16 +5410,73 @@
           </a:fontRef>
         </p:style>
       </p:cxnSp>
+      <p:sp>
+        <p:nvSpPr>
+          <p:cNvPr id="11" name="Retângulo 10">
+            <a:extLst>
+              <a:ext uri="{FF2B5EF4-FFF2-40B4-BE49-F238E27FC236}">
+                <a16:creationId xmlns:a16="http://schemas.microsoft.com/office/drawing/2014/main" id="{7ADAF45D-8C10-469D-B932-497E59A344AF}"/>
+              </a:ext>
+            </a:extLst>
+          </p:cNvPr>
+          <p:cNvSpPr/>
+          <p:nvPr/>
+        </p:nvSpPr>
+        <p:spPr>
+          <a:xfrm>
+            <a:off x="98401" y="2636912"/>
+            <a:ext cx="2160240" cy="1152128"/>
+          </a:xfrm>
+          <a:prstGeom prst="rect">
+            <a:avLst/>
+          </a:prstGeom>
+        </p:spPr>
+        <p:style>
+          <a:lnRef idx="2">
+            <a:schemeClr val="accent1">
+              <a:shade val="50000"/>
+            </a:schemeClr>
+          </a:lnRef>
+          <a:fillRef idx="1">
+            <a:schemeClr val="accent1"/>
+          </a:fillRef>
+          <a:effectRef idx="0">
+            <a:schemeClr val="accent1"/>
+          </a:effectRef>
+          <a:fontRef idx="minor">
+            <a:schemeClr val="lt1"/>
+          </a:fontRef>
+        </p:style>
+        <p:txBody>
+          <a:bodyPr rtlCol="0" anchor="ctr"/>
+          <a:lstStyle/>
+          <a:p>
+            <a:pPr algn="ctr"/>
+            <a:r>
+              <a:rPr lang="pt-BR" dirty="0"/>
+              <a:t>Cliente</a:t>
+            </a:r>
+          </a:p>
+        </p:txBody>
+      </p:sp>
       <p:cxnSp>
         <p:nvCxnSpPr>
-          <p:cNvPr id="15" name="Conector reto 14"/>
-          <p:cNvCxnSpPr/>
+          <p:cNvPr id="12" name="Conector reto 11">
+            <a:extLst>
+              <a:ext uri="{FF2B5EF4-FFF2-40B4-BE49-F238E27FC236}">
+                <a16:creationId xmlns:a16="http://schemas.microsoft.com/office/drawing/2014/main" id="{015AC1C4-5941-432F-84E6-428DDCAE98FC}"/>
+              </a:ext>
+            </a:extLst>
+          </p:cNvPr>
+          <p:cNvCxnSpPr>
+            <a:stCxn id="11" idx="3"/>
+          </p:cNvCxnSpPr>
           <p:nvPr/>
         </p:nvCxnSpPr>
         <p:spPr>
-          <a:xfrm flipH="1">
-            <a:off x="7038020" y="3645024"/>
-            <a:ext cx="1" cy="648072"/>
+          <a:xfrm>
+            <a:off x="2258641" y="3212976"/>
+            <a:ext cx="3609503" cy="0"/>
           </a:xfrm>
           <a:prstGeom prst="line">
             <a:avLst/>
